--- a/CCC_Junior/questions.pptx
+++ b/CCC_Junior/questions.pptx
@@ -5,29 +5,39 @@
     <p:sldMasterId id="2147483660" r:id="rId1"/>
   </p:sldMasterIdLst>
   <p:sldIdLst>
-    <p:sldId id="256" r:id="rId2"/>
-    <p:sldId id="257" r:id="rId3"/>
-    <p:sldId id="258" r:id="rId4"/>
-    <p:sldId id="259" r:id="rId5"/>
-    <p:sldId id="260" r:id="rId6"/>
-    <p:sldId id="261" r:id="rId7"/>
-    <p:sldId id="262" r:id="rId8"/>
-    <p:sldId id="263" r:id="rId9"/>
-    <p:sldId id="264" r:id="rId10"/>
-    <p:sldId id="265" r:id="rId11"/>
-    <p:sldId id="267" r:id="rId12"/>
-    <p:sldId id="266" r:id="rId13"/>
-    <p:sldId id="268" r:id="rId14"/>
-    <p:sldId id="270" r:id="rId15"/>
-    <p:sldId id="269" r:id="rId16"/>
-    <p:sldId id="271" r:id="rId17"/>
-    <p:sldId id="272" r:id="rId18"/>
-    <p:sldId id="274" r:id="rId19"/>
-    <p:sldId id="275" r:id="rId20"/>
-    <p:sldId id="276" r:id="rId21"/>
-    <p:sldId id="273" r:id="rId22"/>
-    <p:sldId id="277" r:id="rId23"/>
-    <p:sldId id="278" r:id="rId24"/>
+    <p:sldId id="279" r:id="rId2"/>
+    <p:sldId id="280" r:id="rId3"/>
+    <p:sldId id="281" r:id="rId4"/>
+    <p:sldId id="282" r:id="rId5"/>
+    <p:sldId id="283" r:id="rId6"/>
+    <p:sldId id="284" r:id="rId7"/>
+    <p:sldId id="285" r:id="rId8"/>
+    <p:sldId id="286" r:id="rId9"/>
+    <p:sldId id="287" r:id="rId10"/>
+    <p:sldId id="288" r:id="rId11"/>
+    <p:sldId id="256" r:id="rId12"/>
+    <p:sldId id="257" r:id="rId13"/>
+    <p:sldId id="258" r:id="rId14"/>
+    <p:sldId id="259" r:id="rId15"/>
+    <p:sldId id="260" r:id="rId16"/>
+    <p:sldId id="261" r:id="rId17"/>
+    <p:sldId id="262" r:id="rId18"/>
+    <p:sldId id="263" r:id="rId19"/>
+    <p:sldId id="264" r:id="rId20"/>
+    <p:sldId id="265" r:id="rId21"/>
+    <p:sldId id="267" r:id="rId22"/>
+    <p:sldId id="266" r:id="rId23"/>
+    <p:sldId id="268" r:id="rId24"/>
+    <p:sldId id="270" r:id="rId25"/>
+    <p:sldId id="269" r:id="rId26"/>
+    <p:sldId id="271" r:id="rId27"/>
+    <p:sldId id="272" r:id="rId28"/>
+    <p:sldId id="274" r:id="rId29"/>
+    <p:sldId id="275" r:id="rId30"/>
+    <p:sldId id="276" r:id="rId31"/>
+    <p:sldId id="273" r:id="rId32"/>
+    <p:sldId id="277" r:id="rId33"/>
+    <p:sldId id="278" r:id="rId34"/>
   </p:sldIdLst>
   <p:sldSz cx="12192000" cy="6858000"/>
   <p:notesSz cx="6858000" cy="9144000"/>
@@ -648,7 +658,7 @@
           <a:p>
             <a:fld id="{EA0C0817-A112-4847-8014-A94B7D2A4EA3}" type="datetime1">
               <a:rPr lang="en-US" smtClean="0"/>
-              <a:t>2/5/23</a:t>
+              <a:t>3/24/23</a:t>
             </a:fld>
             <a:endParaRPr lang="en-US" dirty="0"/>
           </a:p>
@@ -850,7 +860,7 @@
           <a:p>
             <a:fld id="{134F40B7-36AB-4376-BE14-EF7004D79BB9}" type="datetime1">
               <a:rPr lang="en-US" smtClean="0"/>
-              <a:t>2/5/23</a:t>
+              <a:t>3/24/23</a:t>
             </a:fld>
             <a:endParaRPr lang="en-US"/>
           </a:p>
@@ -1030,7 +1040,7 @@
           <a:p>
             <a:fld id="{FF87CAB8-DCAE-46A5-AADA-B3FAD11A54E0}" type="datetime1">
               <a:rPr lang="en-US" smtClean="0"/>
-              <a:t>2/5/23</a:t>
+              <a:t>3/24/23</a:t>
             </a:fld>
             <a:endParaRPr lang="en-US"/>
           </a:p>
@@ -1200,7 +1210,7 @@
           <a:p>
             <a:fld id="{7332B432-ACDA-4023-A761-2BAB76577B62}" type="datetime1">
               <a:rPr lang="en-US" smtClean="0"/>
-              <a:t>2/5/23</a:t>
+              <a:t>3/24/23</a:t>
             </a:fld>
             <a:endParaRPr lang="en-US"/>
           </a:p>
@@ -1799,7 +1809,7 @@
           <a:p>
             <a:fld id="{D9C646AA-F36E-4540-911D-FFFC0A0EF24A}" type="datetime1">
               <a:rPr lang="en-US" smtClean="0"/>
-              <a:t>2/5/23</a:t>
+              <a:t>3/24/23</a:t>
             </a:fld>
             <a:endParaRPr lang="en-US" dirty="0"/>
           </a:p>
@@ -2119,7 +2129,7 @@
           <a:p>
             <a:fld id="{69186D26-FA5F-4637-B602-B7C2DC34CFD4}" type="datetime1">
               <a:rPr lang="en-US" smtClean="0"/>
-              <a:t>2/5/23</a:t>
+              <a:t>3/24/23</a:t>
             </a:fld>
             <a:endParaRPr lang="en-US"/>
           </a:p>
@@ -2554,7 +2564,7 @@
           <a:p>
             <a:fld id="{8A7F15D8-96D1-4781-BC50-CA8A088B2FE4}" type="datetime1">
               <a:rPr lang="en-US" smtClean="0"/>
-              <a:t>2/5/23</a:t>
+              <a:t>3/24/23</a:t>
             </a:fld>
             <a:endParaRPr lang="en-US"/>
           </a:p>
@@ -2672,7 +2682,7 @@
           <a:p>
             <a:fld id="{F9A96C99-B8F8-4528-BD05-0E16E943DC09}" type="datetime1">
               <a:rPr lang="en-US" smtClean="0"/>
-              <a:t>2/5/23</a:t>
+              <a:t>3/24/23</a:t>
             </a:fld>
             <a:endParaRPr lang="en-US"/>
           </a:p>
@@ -2767,7 +2777,7 @@
           <a:p>
             <a:fld id="{03636942-C211-4B28-8DBD-C953E00AF71B}" type="datetime1">
               <a:rPr lang="en-US" smtClean="0"/>
-              <a:t>2/5/23</a:t>
+              <a:t>3/24/23</a:t>
             </a:fld>
             <a:endParaRPr lang="en-US"/>
           </a:p>
@@ -3184,7 +3194,7 @@
           <a:p>
             <a:fld id="{7E8D12A6-918A-48BD-8CB9-CA713993B0EA}" type="datetime1">
               <a:rPr lang="en-US" smtClean="0"/>
-              <a:t>2/5/23</a:t>
+              <a:t>3/24/23</a:t>
             </a:fld>
             <a:endParaRPr lang="en-US"/>
           </a:p>
@@ -3446,7 +3456,7 @@
             <a:fld id="{E778CE86-875F-4587-BCF6-FA054AFC0D53}" type="datetime1">
               <a:rPr lang="en-US" smtClean="0"/>
               <a:pPr/>
-              <a:t>2/5/23</a:t>
+              <a:t>3/24/23</a:t>
             </a:fld>
             <a:endParaRPr lang="en-US" dirty="0"/>
           </a:p>
@@ -3962,7 +3972,7 @@
           <a:p>
             <a:fld id="{F6FA2B21-3FCD-4721-B95C-427943F61125}" type="datetime1">
               <a:rPr lang="en-US" smtClean="0"/>
-              <a:t>2/5/23</a:t>
+              <a:t>3/24/23</a:t>
             </a:fld>
             <a:endParaRPr lang="en-US"/>
           </a:p>
@@ -4417,6 +4427,484 @@
 <file path=ppt/slides/slide1.xml><?xml version="1.0" encoding="utf-8"?>
 <p:sld xmlns:a="http://schemas.openxmlformats.org/drawingml/2006/main" xmlns:r="http://schemas.openxmlformats.org/officeDocument/2006/relationships" xmlns:p="http://schemas.openxmlformats.org/presentationml/2006/main">
   <p:cSld>
+    <p:spTree>
+      <p:nvGrpSpPr>
+        <p:cNvPr id="1" name=""/>
+        <p:cNvGrpSpPr/>
+        <p:nvPr/>
+      </p:nvGrpSpPr>
+      <p:grpSpPr>
+        <a:xfrm>
+          <a:off x="0" y="0"/>
+          <a:ext cx="0" cy="0"/>
+          <a:chOff x="0" y="0"/>
+          <a:chExt cx="0" cy="0"/>
+        </a:xfrm>
+      </p:grpSpPr>
+      <p:pic>
+        <p:nvPicPr>
+          <p:cNvPr id="4" name="Picture 3" descr="Low Angle View Of Clouds In Sky">
+            <a:extLst>
+              <a:ext uri="{FF2B5EF4-FFF2-40B4-BE49-F238E27FC236}">
+                <a16:creationId xmlns:a16="http://schemas.microsoft.com/office/drawing/2014/main" id="{E7ED5F9D-3339-AA63-22ED-916A19AF911F}"/>
+              </a:ext>
+            </a:extLst>
+          </p:cNvPr>
+          <p:cNvPicPr>
+            <a:picLocks noChangeAspect="1"/>
+          </p:cNvPicPr>
+          <p:nvPr/>
+        </p:nvPicPr>
+        <p:blipFill rotWithShape="1">
+          <a:blip r:embed="rId2"/>
+          <a:srcRect t="5715" b="10016"/>
+          <a:stretch/>
+        </p:blipFill>
+        <p:spPr>
+          <a:xfrm>
+            <a:off x="20" y="10"/>
+            <a:ext cx="12191979" cy="6857990"/>
+          </a:xfrm>
+          <a:prstGeom prst="rect">
+            <a:avLst/>
+          </a:prstGeom>
+        </p:spPr>
+      </p:pic>
+      <p:sp>
+        <p:nvSpPr>
+          <p:cNvPr id="2" name="Title 1">
+            <a:extLst>
+              <a:ext uri="{FF2B5EF4-FFF2-40B4-BE49-F238E27FC236}">
+                <a16:creationId xmlns:a16="http://schemas.microsoft.com/office/drawing/2014/main" id="{4302C8E7-F8B7-6B45-A1C1-F16279356437}"/>
+              </a:ext>
+            </a:extLst>
+          </p:cNvPr>
+          <p:cNvSpPr>
+            <a:spLocks noGrp="1"/>
+          </p:cNvSpPr>
+          <p:nvPr>
+            <p:ph type="ctrTitle"/>
+          </p:nvPr>
+        </p:nvSpPr>
+        <p:spPr>
+          <a:xfrm>
+            <a:off x="1276055" y="2350017"/>
+            <a:ext cx="4775075" cy="1630906"/>
+          </a:xfrm>
+        </p:spPr>
+        <p:txBody>
+          <a:bodyPr>
+            <a:normAutofit/>
+          </a:bodyPr>
+          <a:lstStyle/>
+          <a:p>
+            <a:r>
+              <a:rPr lang="en-US" sz="4400" dirty="0">
+                <a:solidFill>
+                  <a:schemeClr val="tx1"/>
+                </a:solidFill>
+              </a:rPr>
+              <a:t>2020 CCC</a:t>
+            </a:r>
+          </a:p>
+        </p:txBody>
+      </p:sp>
+      <p:sp>
+        <p:nvSpPr>
+          <p:cNvPr id="3" name="Subtitle 2">
+            <a:extLst>
+              <a:ext uri="{FF2B5EF4-FFF2-40B4-BE49-F238E27FC236}">
+                <a16:creationId xmlns:a16="http://schemas.microsoft.com/office/drawing/2014/main" id="{66E30AD5-C679-1848-BC76-52F3945B307B}"/>
+              </a:ext>
+            </a:extLst>
+          </p:cNvPr>
+          <p:cNvSpPr>
+            <a:spLocks noGrp="1"/>
+          </p:cNvSpPr>
+          <p:nvPr>
+            <p:ph type="subTitle" idx="1"/>
+          </p:nvPr>
+        </p:nvSpPr>
+        <p:spPr>
+          <a:xfrm>
+            <a:off x="1276055" y="3990546"/>
+            <a:ext cx="4775075" cy="559656"/>
+          </a:xfrm>
+        </p:spPr>
+        <p:txBody>
+          <a:bodyPr>
+            <a:normAutofit/>
+          </a:bodyPr>
+          <a:lstStyle/>
+          <a:p>
+            <a:endParaRPr lang="en-US">
+              <a:solidFill>
+                <a:schemeClr val="tx1"/>
+              </a:solidFill>
+            </a:endParaRPr>
+          </a:p>
+        </p:txBody>
+      </p:sp>
+    </p:spTree>
+    <p:extLst>
+      <p:ext uri="{BB962C8B-B14F-4D97-AF65-F5344CB8AC3E}">
+        <p14:creationId xmlns:p14="http://schemas.microsoft.com/office/powerpoint/2010/main" val="4104953142"/>
+      </p:ext>
+    </p:extLst>
+  </p:cSld>
+  <p:clrMapOvr>
+    <a:masterClrMapping/>
+  </p:clrMapOvr>
+</p:sld>
+</file>
+
+<file path=ppt/slides/slide10.xml><?xml version="1.0" encoding="utf-8"?>
+<p:sld xmlns:a="http://schemas.openxmlformats.org/drawingml/2006/main" xmlns:r="http://schemas.openxmlformats.org/officeDocument/2006/relationships" xmlns:p="http://schemas.openxmlformats.org/presentationml/2006/main">
+  <p:cSld>
+    <p:spTree>
+      <p:nvGrpSpPr>
+        <p:cNvPr id="1" name=""/>
+        <p:cNvGrpSpPr/>
+        <p:nvPr/>
+      </p:nvGrpSpPr>
+      <p:grpSpPr>
+        <a:xfrm>
+          <a:off x="0" y="0"/>
+          <a:ext cx="0" cy="0"/>
+          <a:chOff x="0" y="0"/>
+          <a:chExt cx="0" cy="0"/>
+        </a:xfrm>
+      </p:grpSpPr>
+      <p:sp>
+        <p:nvSpPr>
+          <p:cNvPr id="2" name="Title 1">
+            <a:extLst>
+              <a:ext uri="{FF2B5EF4-FFF2-40B4-BE49-F238E27FC236}">
+                <a16:creationId xmlns:a16="http://schemas.microsoft.com/office/drawing/2014/main" id="{6AEDFC35-0E32-A64F-8114-EF02B6E59310}"/>
+              </a:ext>
+            </a:extLst>
+          </p:cNvPr>
+          <p:cNvSpPr>
+            <a:spLocks noGrp="1"/>
+          </p:cNvSpPr>
+          <p:nvPr>
+            <p:ph type="title"/>
+          </p:nvPr>
+        </p:nvSpPr>
+        <p:spPr/>
+        <p:txBody>
+          <a:bodyPr>
+            <a:normAutofit fontScale="90000"/>
+          </a:bodyPr>
+          <a:lstStyle/>
+          <a:p>
+            <a:r>
+              <a:rPr lang="en-US" dirty="0"/>
+              <a:t>Converting Escape Room to a graph problem</a:t>
+            </a:r>
+          </a:p>
+        </p:txBody>
+      </p:sp>
+      <p:graphicFrame>
+        <p:nvGraphicFramePr>
+          <p:cNvPr id="4" name="Table 4">
+            <a:extLst>
+              <a:ext uri="{FF2B5EF4-FFF2-40B4-BE49-F238E27FC236}">
+                <a16:creationId xmlns:a16="http://schemas.microsoft.com/office/drawing/2014/main" id="{F7FFF40C-9999-7447-8597-DE97AD347411}"/>
+              </a:ext>
+            </a:extLst>
+          </p:cNvPr>
+          <p:cNvGraphicFramePr>
+            <a:graphicFrameLocks noGrp="1"/>
+          </p:cNvGraphicFramePr>
+          <p:nvPr>
+            <p:ph idx="1"/>
+            <p:extLst>
+              <p:ext uri="{D42A27DB-BD31-4B8C-83A1-F6EECF244321}">
+                <p14:modId xmlns:p14="http://schemas.microsoft.com/office/powerpoint/2010/main" val="2688267818"/>
+              </p:ext>
+            </p:extLst>
+          </p:nvPr>
+        </p:nvGraphicFramePr>
+        <p:xfrm>
+          <a:off x="1066800" y="2103437"/>
+          <a:ext cx="4768516" cy="3190458"/>
+        </p:xfrm>
+        <a:graphic>
+          <a:graphicData uri="http://schemas.openxmlformats.org/drawingml/2006/table">
+            <a:tbl>
+              <a:tblPr firstRow="1" bandRow="1">
+                <a:tableStyleId>{69CF1AB2-1976-4502-BF36-3FF5EA218861}</a:tableStyleId>
+              </a:tblPr>
+              <a:tblGrid>
+                <a:gridCol w="1192129">
+                  <a:extLst>
+                    <a:ext uri="{9D8B030D-6E8A-4147-A177-3AD203B41FA5}">
+                      <a16:colId xmlns:a16="http://schemas.microsoft.com/office/drawing/2014/main" val="1248253355"/>
+                    </a:ext>
+                  </a:extLst>
+                </a:gridCol>
+                <a:gridCol w="1192129">
+                  <a:extLst>
+                    <a:ext uri="{9D8B030D-6E8A-4147-A177-3AD203B41FA5}">
+                      <a16:colId xmlns:a16="http://schemas.microsoft.com/office/drawing/2014/main" val="3923246402"/>
+                    </a:ext>
+                  </a:extLst>
+                </a:gridCol>
+                <a:gridCol w="1192129">
+                  <a:extLst>
+                    <a:ext uri="{9D8B030D-6E8A-4147-A177-3AD203B41FA5}">
+                      <a16:colId xmlns:a16="http://schemas.microsoft.com/office/drawing/2014/main" val="3199294937"/>
+                    </a:ext>
+                  </a:extLst>
+                </a:gridCol>
+                <a:gridCol w="1192129">
+                  <a:extLst>
+                    <a:ext uri="{9D8B030D-6E8A-4147-A177-3AD203B41FA5}">
+                      <a16:colId xmlns:a16="http://schemas.microsoft.com/office/drawing/2014/main" val="510271729"/>
+                    </a:ext>
+                  </a:extLst>
+                </a:gridCol>
+              </a:tblGrid>
+              <a:tr h="1063486">
+                <a:tc>
+                  <a:txBody>
+                    <a:bodyPr/>
+                    <a:lstStyle/>
+                    <a:p>
+                      <a:pPr algn="ctr"/>
+                      <a:r>
+                        <a:rPr lang="en-US" sz="3200" b="0" dirty="0"/>
+                        <a:t>3</a:t>
+                      </a:r>
+                    </a:p>
+                  </a:txBody>
+                  <a:tcPr anchor="ctr"/>
+                </a:tc>
+                <a:tc>
+                  <a:txBody>
+                    <a:bodyPr/>
+                    <a:lstStyle/>
+                    <a:p>
+                      <a:pPr algn="ctr"/>
+                      <a:r>
+                        <a:rPr lang="en-US" sz="3200" b="0" dirty="0"/>
+                        <a:t>10</a:t>
+                      </a:r>
+                    </a:p>
+                  </a:txBody>
+                  <a:tcPr anchor="ctr"/>
+                </a:tc>
+                <a:tc>
+                  <a:txBody>
+                    <a:bodyPr/>
+                    <a:lstStyle/>
+                    <a:p>
+                      <a:pPr algn="ctr"/>
+                      <a:r>
+                        <a:rPr lang="en-US" sz="3200" b="0" dirty="0"/>
+                        <a:t>8</a:t>
+                      </a:r>
+                    </a:p>
+                  </a:txBody>
+                  <a:tcPr anchor="ctr"/>
+                </a:tc>
+                <a:tc>
+                  <a:txBody>
+                    <a:bodyPr/>
+                    <a:lstStyle/>
+                    <a:p>
+                      <a:pPr algn="ctr"/>
+                      <a:r>
+                        <a:rPr lang="en-US" sz="3200" b="0" dirty="0"/>
+                        <a:t>14</a:t>
+                      </a:r>
+                    </a:p>
+                  </a:txBody>
+                  <a:tcPr anchor="ctr"/>
+                </a:tc>
+                <a:extLst>
+                  <a:ext uri="{0D108BD9-81ED-4DB2-BD59-A6C34878D82A}">
+                    <a16:rowId xmlns:a16="http://schemas.microsoft.com/office/drawing/2014/main" val="448137213"/>
+                  </a:ext>
+                </a:extLst>
+              </a:tr>
+              <a:tr h="1063486">
+                <a:tc>
+                  <a:txBody>
+                    <a:bodyPr/>
+                    <a:lstStyle/>
+                    <a:p>
+                      <a:pPr algn="ctr"/>
+                      <a:r>
+                        <a:rPr lang="en-US" sz="3200" b="0" dirty="0"/>
+                        <a:t>1</a:t>
+                      </a:r>
+                    </a:p>
+                  </a:txBody>
+                  <a:tcPr anchor="ctr"/>
+                </a:tc>
+                <a:tc>
+                  <a:txBody>
+                    <a:bodyPr/>
+                    <a:lstStyle/>
+                    <a:p>
+                      <a:pPr algn="ctr"/>
+                      <a:r>
+                        <a:rPr lang="en-US" sz="3200" b="0" dirty="0"/>
+                        <a:t>11</a:t>
+                      </a:r>
+                    </a:p>
+                  </a:txBody>
+                  <a:tcPr anchor="ctr"/>
+                </a:tc>
+                <a:tc>
+                  <a:txBody>
+                    <a:bodyPr/>
+                    <a:lstStyle/>
+                    <a:p>
+                      <a:pPr algn="ctr"/>
+                      <a:r>
+                        <a:rPr lang="en-US" sz="3200" b="0" dirty="0"/>
+                        <a:t>12</a:t>
+                      </a:r>
+                    </a:p>
+                  </a:txBody>
+                  <a:tcPr anchor="ctr"/>
+                </a:tc>
+                <a:tc>
+                  <a:txBody>
+                    <a:bodyPr/>
+                    <a:lstStyle/>
+                    <a:p>
+                      <a:pPr algn="ctr"/>
+                      <a:r>
+                        <a:rPr lang="en-US" sz="3200" b="0" dirty="0"/>
+                        <a:t>12</a:t>
+                      </a:r>
+                    </a:p>
+                  </a:txBody>
+                  <a:tcPr anchor="ctr"/>
+                </a:tc>
+                <a:extLst>
+                  <a:ext uri="{0D108BD9-81ED-4DB2-BD59-A6C34878D82A}">
+                    <a16:rowId xmlns:a16="http://schemas.microsoft.com/office/drawing/2014/main" val="4284854554"/>
+                  </a:ext>
+                </a:extLst>
+              </a:tr>
+              <a:tr h="1063486">
+                <a:tc>
+                  <a:txBody>
+                    <a:bodyPr/>
+                    <a:lstStyle/>
+                    <a:p>
+                      <a:pPr algn="ctr"/>
+                      <a:r>
+                        <a:rPr lang="en-US" sz="3200" b="0" dirty="0"/>
+                        <a:t>6</a:t>
+                      </a:r>
+                    </a:p>
+                  </a:txBody>
+                  <a:tcPr anchor="ctr"/>
+                </a:tc>
+                <a:tc>
+                  <a:txBody>
+                    <a:bodyPr/>
+                    <a:lstStyle/>
+                    <a:p>
+                      <a:pPr algn="ctr"/>
+                      <a:r>
+                        <a:rPr lang="en-US" sz="3200" b="0" dirty="0"/>
+                        <a:t>2</a:t>
+                      </a:r>
+                    </a:p>
+                  </a:txBody>
+                  <a:tcPr anchor="ctr"/>
+                </a:tc>
+                <a:tc>
+                  <a:txBody>
+                    <a:bodyPr/>
+                    <a:lstStyle/>
+                    <a:p>
+                      <a:pPr algn="ctr"/>
+                      <a:r>
+                        <a:rPr lang="en-US" sz="3200" b="0" dirty="0"/>
+                        <a:t>3</a:t>
+                      </a:r>
+                    </a:p>
+                  </a:txBody>
+                  <a:tcPr anchor="ctr"/>
+                </a:tc>
+                <a:tc>
+                  <a:txBody>
+                    <a:bodyPr/>
+                    <a:lstStyle/>
+                    <a:p>
+                      <a:pPr algn="ctr"/>
+                      <a:r>
+                        <a:rPr lang="en-US" sz="3200" b="0" dirty="0"/>
+                        <a:t>9</a:t>
+                      </a:r>
+                    </a:p>
+                  </a:txBody>
+                  <a:tcPr anchor="ctr"/>
+                </a:tc>
+                <a:extLst>
+                  <a:ext uri="{0D108BD9-81ED-4DB2-BD59-A6C34878D82A}">
+                    <a16:rowId xmlns:a16="http://schemas.microsoft.com/office/drawing/2014/main" val="2219550249"/>
+                  </a:ext>
+                </a:extLst>
+              </a:tr>
+            </a:tbl>
+          </a:graphicData>
+        </a:graphic>
+      </p:graphicFrame>
+      <p:pic>
+        <p:nvPicPr>
+          <p:cNvPr id="14" name="Picture 13">
+            <a:extLst>
+              <a:ext uri="{FF2B5EF4-FFF2-40B4-BE49-F238E27FC236}">
+                <a16:creationId xmlns:a16="http://schemas.microsoft.com/office/drawing/2014/main" id="{53E67908-DF18-504A-BC96-96B199FE2163}"/>
+              </a:ext>
+            </a:extLst>
+          </p:cNvPr>
+          <p:cNvPicPr>
+            <a:picLocks noChangeAspect="1"/>
+          </p:cNvPicPr>
+          <p:nvPr/>
+        </p:nvPicPr>
+        <p:blipFill>
+          <a:blip r:embed="rId2"/>
+          <a:stretch>
+            <a:fillRect/>
+          </a:stretch>
+        </p:blipFill>
+        <p:spPr>
+          <a:xfrm>
+            <a:off x="6705935" y="2014194"/>
+            <a:ext cx="4025900" cy="4013200"/>
+          </a:xfrm>
+          <a:prstGeom prst="rect">
+            <a:avLst/>
+          </a:prstGeom>
+        </p:spPr>
+      </p:pic>
+    </p:spTree>
+    <p:extLst>
+      <p:ext uri="{BB962C8B-B14F-4D97-AF65-F5344CB8AC3E}">
+        <p14:creationId xmlns:p14="http://schemas.microsoft.com/office/powerpoint/2010/main" val="904603372"/>
+      </p:ext>
+    </p:extLst>
+  </p:cSld>
+  <p:clrMapOvr>
+    <a:masterClrMapping/>
+  </p:clrMapOvr>
+</p:sld>
+</file>
+
+<file path=ppt/slides/slide11.xml><?xml version="1.0" encoding="utf-8"?>
+<p:sld xmlns:a="http://schemas.openxmlformats.org/drawingml/2006/main" xmlns:r="http://schemas.openxmlformats.org/officeDocument/2006/relationships" xmlns:p="http://schemas.openxmlformats.org/presentationml/2006/main">
+  <p:cSld>
     <p:bg>
       <p:bgPr>
         <a:solidFill>
@@ -4645,260 +5133,6 @@
 </p:sld>
 </file>
 
-<file path=ppt/slides/slide10.xml><?xml version="1.0" encoding="utf-8"?>
-<p:sld xmlns:a="http://schemas.openxmlformats.org/drawingml/2006/main" xmlns:r="http://schemas.openxmlformats.org/officeDocument/2006/relationships" xmlns:p="http://schemas.openxmlformats.org/presentationml/2006/main">
-  <p:cSld>
-    <p:spTree>
-      <p:nvGrpSpPr>
-        <p:cNvPr id="1" name=""/>
-        <p:cNvGrpSpPr/>
-        <p:nvPr/>
-      </p:nvGrpSpPr>
-      <p:grpSpPr>
-        <a:xfrm>
-          <a:off x="0" y="0"/>
-          <a:ext cx="0" cy="0"/>
-          <a:chOff x="0" y="0"/>
-          <a:chExt cx="0" cy="0"/>
-        </a:xfrm>
-      </p:grpSpPr>
-      <p:sp>
-        <p:nvSpPr>
-          <p:cNvPr id="2" name="Title 1">
-            <a:extLst>
-              <a:ext uri="{FF2B5EF4-FFF2-40B4-BE49-F238E27FC236}">
-                <a16:creationId xmlns:a16="http://schemas.microsoft.com/office/drawing/2014/main" id="{C16C7322-5232-BD45-A88B-B773A8867FD6}"/>
-              </a:ext>
-            </a:extLst>
-          </p:cNvPr>
-          <p:cNvSpPr>
-            <a:spLocks noGrp="1"/>
-          </p:cNvSpPr>
-          <p:nvPr>
-            <p:ph type="title"/>
-          </p:nvPr>
-        </p:nvSpPr>
-        <p:spPr/>
-        <p:txBody>
-          <a:bodyPr/>
-          <a:lstStyle/>
-          <a:p>
-            <a:r>
-              <a:rPr lang="en-US" dirty="0"/>
-              <a:t>J5: Rule of Three</a:t>
-            </a:r>
-          </a:p>
-        </p:txBody>
-      </p:sp>
-      <p:sp>
-        <p:nvSpPr>
-          <p:cNvPr id="3" name="Content Placeholder 2">
-            <a:extLst>
-              <a:ext uri="{FF2B5EF4-FFF2-40B4-BE49-F238E27FC236}">
-                <a16:creationId xmlns:a16="http://schemas.microsoft.com/office/drawing/2014/main" id="{85907DA3-918A-8641-9924-FA714FE16091}"/>
-              </a:ext>
-            </a:extLst>
-          </p:cNvPr>
-          <p:cNvSpPr>
-            <a:spLocks noGrp="1"/>
-          </p:cNvSpPr>
-          <p:nvPr>
-            <p:ph idx="1"/>
-          </p:nvPr>
-        </p:nvSpPr>
-        <p:spPr/>
-        <p:txBody>
-          <a:bodyPr/>
-          <a:lstStyle/>
-          <a:p>
-            <a:r>
-              <a:rPr lang="en-US" dirty="0">
-                <a:hlinkClick r:id="rId2"/>
-              </a:rPr>
-              <a:t>https://dmoj.ca/problem/ccc19j5</a:t>
-            </a:r>
-            <a:endParaRPr lang="en-US" dirty="0"/>
-          </a:p>
-          <a:p>
-            <a:r>
-              <a:rPr lang="en-US" altLang="zh-CN" dirty="0"/>
-              <a:t>A</a:t>
-            </a:r>
-            <a:r>
-              <a:rPr lang="zh-CN" altLang="en-US" dirty="0"/>
-              <a:t> </a:t>
-            </a:r>
-            <a:r>
-              <a:rPr lang="en-US" altLang="zh-CN" dirty="0"/>
-              <a:t>recursion problem</a:t>
-            </a:r>
-            <a:endParaRPr lang="en-US" dirty="0"/>
-          </a:p>
-        </p:txBody>
-      </p:sp>
-    </p:spTree>
-    <p:extLst>
-      <p:ext uri="{BB962C8B-B14F-4D97-AF65-F5344CB8AC3E}">
-        <p14:creationId xmlns:p14="http://schemas.microsoft.com/office/powerpoint/2010/main" val="237021135"/>
-      </p:ext>
-    </p:extLst>
-  </p:cSld>
-  <p:clrMapOvr>
-    <a:masterClrMapping/>
-  </p:clrMapOvr>
-</p:sld>
-</file>
-
-<file path=ppt/slides/slide11.xml><?xml version="1.0" encoding="utf-8"?>
-<p:sld xmlns:a="http://schemas.openxmlformats.org/drawingml/2006/main" xmlns:r="http://schemas.openxmlformats.org/officeDocument/2006/relationships" xmlns:p="http://schemas.openxmlformats.org/presentationml/2006/main">
-  <p:cSld>
-    <p:spTree>
-      <p:nvGrpSpPr>
-        <p:cNvPr id="1" name=""/>
-        <p:cNvGrpSpPr/>
-        <p:nvPr/>
-      </p:nvGrpSpPr>
-      <p:grpSpPr>
-        <a:xfrm>
-          <a:off x="0" y="0"/>
-          <a:ext cx="0" cy="0"/>
-          <a:chOff x="0" y="0"/>
-          <a:chExt cx="0" cy="0"/>
-        </a:xfrm>
-      </p:grpSpPr>
-      <p:sp>
-        <p:nvSpPr>
-          <p:cNvPr id="2" name="Title 1">
-            <a:extLst>
-              <a:ext uri="{FF2B5EF4-FFF2-40B4-BE49-F238E27FC236}">
-                <a16:creationId xmlns:a16="http://schemas.microsoft.com/office/drawing/2014/main" id="{D114822E-2DFC-C948-9879-8F0E79F8BC95}"/>
-              </a:ext>
-            </a:extLst>
-          </p:cNvPr>
-          <p:cNvSpPr>
-            <a:spLocks noGrp="1"/>
-          </p:cNvSpPr>
-          <p:nvPr>
-            <p:ph type="title"/>
-          </p:nvPr>
-        </p:nvSpPr>
-        <p:spPr/>
-        <p:txBody>
-          <a:bodyPr/>
-          <a:lstStyle/>
-          <a:p>
-            <a:r>
-              <a:rPr lang="en-US" dirty="0"/>
-              <a:t>J5: Rule of Three</a:t>
-            </a:r>
-          </a:p>
-        </p:txBody>
-      </p:sp>
-      <p:sp>
-        <p:nvSpPr>
-          <p:cNvPr id="3" name="Content Placeholder 2">
-            <a:extLst>
-              <a:ext uri="{FF2B5EF4-FFF2-40B4-BE49-F238E27FC236}">
-                <a16:creationId xmlns:a16="http://schemas.microsoft.com/office/drawing/2014/main" id="{EB997042-70E4-EA47-9A45-495F8C17038E}"/>
-              </a:ext>
-            </a:extLst>
-          </p:cNvPr>
-          <p:cNvSpPr>
-            <a:spLocks noGrp="1"/>
-          </p:cNvSpPr>
-          <p:nvPr>
-            <p:ph idx="1"/>
-          </p:nvPr>
-        </p:nvSpPr>
-        <p:spPr>
-          <a:xfrm>
-            <a:off x="1066800" y="2103120"/>
-            <a:ext cx="10058400" cy="4112286"/>
-          </a:xfrm>
-        </p:spPr>
-        <p:txBody>
-          <a:bodyPr>
-            <a:normAutofit/>
-          </a:bodyPr>
-          <a:lstStyle/>
-          <a:p>
-            <a:r>
-              <a:rPr lang="en-US" sz="2400" dirty="0"/>
-              <a:t>We want to determine the steps to take such that we can transform I (initial sequence) to F (final sequence) in S number of steps using the three rules</a:t>
-            </a:r>
-          </a:p>
-          <a:p>
-            <a:r>
-              <a:rPr lang="en-US" sz="2400" dirty="0"/>
-              <a:t>Rules: </a:t>
-            </a:r>
-          </a:p>
-          <a:p>
-            <a:pPr lvl="1"/>
-            <a:r>
-              <a:rPr lang="en-US" sz="2000" dirty="0"/>
-              <a:t>1. AA -&gt; AB</a:t>
-            </a:r>
-          </a:p>
-          <a:p>
-            <a:pPr lvl="1"/>
-            <a:r>
-              <a:rPr lang="en-US" sz="2000" dirty="0"/>
-              <a:t>2. AB -&gt; BB</a:t>
-            </a:r>
-          </a:p>
-          <a:p>
-            <a:pPr lvl="1"/>
-            <a:r>
-              <a:rPr lang="en-US" sz="2000" dirty="0"/>
-              <a:t>3. B -&gt; AA</a:t>
-            </a:r>
-          </a:p>
-          <a:p>
-            <a:r>
-              <a:rPr lang="en-US" sz="2200" dirty="0"/>
-              <a:t>Sequence:</a:t>
-            </a:r>
-          </a:p>
-          <a:p>
-            <a:pPr lvl="1"/>
-            <a:r>
-              <a:rPr lang="en-US" sz="2000" dirty="0"/>
-              <a:t>AAAA</a:t>
-            </a:r>
-          </a:p>
-          <a:p>
-            <a:pPr lvl="1"/>
-            <a:r>
-              <a:rPr lang="en-US" sz="2000" dirty="0"/>
-              <a:t>ABAB</a:t>
-            </a:r>
-          </a:p>
-          <a:p>
-            <a:pPr lvl="1"/>
-            <a:r>
-              <a:rPr lang="en-US" sz="2000" dirty="0"/>
-              <a:t>AAAB</a:t>
-            </a:r>
-          </a:p>
-          <a:p>
-            <a:endParaRPr lang="en-US" sz="2400" dirty="0"/>
-          </a:p>
-        </p:txBody>
-      </p:sp>
-    </p:spTree>
-    <p:extLst>
-      <p:ext uri="{BB962C8B-B14F-4D97-AF65-F5344CB8AC3E}">
-        <p14:creationId xmlns:p14="http://schemas.microsoft.com/office/powerpoint/2010/main" val="1250582436"/>
-      </p:ext>
-    </p:extLst>
-  </p:cSld>
-  <p:clrMapOvr>
-    <a:masterClrMapping/>
-  </p:clrMapOvr>
-</p:sld>
-</file>
-
 <file path=ppt/slides/slide12.xml><?xml version="1.0" encoding="utf-8"?>
 <p:sld xmlns:a="http://schemas.openxmlformats.org/drawingml/2006/main" xmlns:r="http://schemas.openxmlformats.org/officeDocument/2006/relationships" xmlns:p="http://schemas.openxmlformats.org/presentationml/2006/main">
   <p:cSld>
@@ -4921,7 +5155,7 @@
           <p:cNvPr id="2" name="Title 1">
             <a:extLst>
               <a:ext uri="{FF2B5EF4-FFF2-40B4-BE49-F238E27FC236}">
-                <a16:creationId xmlns:a16="http://schemas.microsoft.com/office/drawing/2014/main" id="{EA3FBF42-DD9C-ED4E-9C49-62BE7F212A86}"/>
+                <a16:creationId xmlns:a16="http://schemas.microsoft.com/office/drawing/2014/main" id="{3DDFD201-EC42-624A-A49C-1F9C4592F860}"/>
               </a:ext>
             </a:extLst>
           </p:cNvPr>
@@ -4939,7 +5173,7 @@
           <a:p>
             <a:r>
               <a:rPr lang="en-US" dirty="0"/>
-              <a:t>J5: Rule of Three</a:t>
+              <a:t>J4 Arranging Books</a:t>
             </a:r>
           </a:p>
         </p:txBody>
@@ -4949,7 +5183,7 @@
           <p:cNvPr id="3" name="Content Placeholder 2">
             <a:extLst>
               <a:ext uri="{FF2B5EF4-FFF2-40B4-BE49-F238E27FC236}">
-                <a16:creationId xmlns:a16="http://schemas.microsoft.com/office/drawing/2014/main" id="{31C047EF-19CD-7C47-80FF-BDABC66A5AE6}"/>
+                <a16:creationId xmlns:a16="http://schemas.microsoft.com/office/drawing/2014/main" id="{D5C39A99-41C4-B849-B33A-90F6AB3E1F07}"/>
               </a:ext>
             </a:extLst>
           </p:cNvPr>
@@ -4960,74 +5194,23 @@
             <p:ph idx="1"/>
           </p:nvPr>
         </p:nvSpPr>
-        <p:spPr>
-          <a:xfrm>
-            <a:off x="1066800" y="2103119"/>
-            <a:ext cx="10058400" cy="4369869"/>
-          </a:xfrm>
-        </p:spPr>
-        <p:txBody>
-          <a:bodyPr>
-            <a:normAutofit/>
-          </a:bodyPr>
+        <p:spPr/>
+        <p:txBody>
+          <a:bodyPr/>
           <a:lstStyle/>
           <a:p>
             <a:r>
-              <a:rPr lang="en-US" sz="2400" dirty="0"/>
-              <a:t>Define</a:t>
-            </a:r>
-          </a:p>
-          <a:p>
-            <a:r>
-              <a:rPr lang="en-US" sz="2400" dirty="0"/>
-              <a:t>Problem:</a:t>
-            </a:r>
-          </a:p>
-          <a:p>
-            <a:pPr lvl="1"/>
-            <a:r>
-              <a:rPr lang="en-US" sz="2200" dirty="0"/>
-              <a:t>R(I, F, n) := list of steps to take such that I will become F</a:t>
-            </a:r>
-          </a:p>
-          <a:p>
-            <a:r>
-              <a:rPr lang="en-US" sz="2400" dirty="0"/>
-              <a:t>Reduction to subproblems:</a:t>
-            </a:r>
-          </a:p>
-          <a:p>
-            <a:pPr lvl="1"/>
-            <a:r>
-              <a:rPr lang="en-US" sz="2200" dirty="0"/>
-              <a:t>R(I, F, n) depends on R(I, F, with rule 1 applied, n-1), R(I, F, with rule 2 applied, n-1), R(I, f with rule 3 applied, n-1), </a:t>
-            </a:r>
-          </a:p>
-          <a:p>
-            <a:r>
-              <a:rPr lang="en-US" sz="2400" dirty="0"/>
-              <a:t>Combine solutions:</a:t>
-            </a:r>
-          </a:p>
-          <a:p>
-            <a:pPr lvl="1"/>
-            <a:r>
-              <a:rPr lang="en-US" sz="2200" dirty="0"/>
-              <a:t>If n &lt; 0, we can take no more steps</a:t>
-            </a:r>
-          </a:p>
-          <a:p>
-            <a:pPr lvl="1"/>
-            <a:r>
-              <a:rPr lang="en-US" sz="2200" dirty="0"/>
-              <a:t>If n == 0 and I == F, then the list of steps is what we want</a:t>
-            </a:r>
-          </a:p>
-          <a:p>
-            <a:pPr lvl="1"/>
-            <a:r>
-              <a:rPr lang="en-US" sz="2200" dirty="0"/>
-              <a:t>If n &gt; 0, do more processing</a:t>
+              <a:rPr lang="en-US" dirty="0">
+                <a:hlinkClick r:id="rId2"/>
+              </a:rPr>
+              <a:t>https://dmoj.ca/problem/ccc21j4</a:t>
+            </a:r>
+            <a:endParaRPr lang="en-US" dirty="0"/>
+          </a:p>
+          <a:p>
+            <a:r>
+              <a:rPr lang="en-US" dirty="0"/>
+              <a:t>A math problem….</a:t>
             </a:r>
           </a:p>
         </p:txBody>
@@ -5035,7 +5218,7 @@
     </p:spTree>
     <p:extLst>
       <p:ext uri="{BB962C8B-B14F-4D97-AF65-F5344CB8AC3E}">
-        <p14:creationId xmlns:p14="http://schemas.microsoft.com/office/powerpoint/2010/main" val="4106846683"/>
+        <p14:creationId xmlns:p14="http://schemas.microsoft.com/office/powerpoint/2010/main" val="2103720615"/>
       </p:ext>
     </p:extLst>
   </p:cSld>
@@ -5062,12 +5245,37 @@
           <a:chExt cx="0" cy="0"/>
         </a:xfrm>
       </p:grpSpPr>
+      <p:sp>
+        <p:nvSpPr>
+          <p:cNvPr id="2" name="Title 1">
+            <a:extLst>
+              <a:ext uri="{FF2B5EF4-FFF2-40B4-BE49-F238E27FC236}">
+                <a16:creationId xmlns:a16="http://schemas.microsoft.com/office/drawing/2014/main" id="{01278E86-ADD8-F24D-B00E-E1A945C38F73}"/>
+              </a:ext>
+            </a:extLst>
+          </p:cNvPr>
+          <p:cNvSpPr>
+            <a:spLocks noGrp="1"/>
+          </p:cNvSpPr>
+          <p:nvPr>
+            <p:ph type="title"/>
+          </p:nvPr>
+        </p:nvSpPr>
+        <p:spPr/>
+        <p:txBody>
+          <a:bodyPr/>
+          <a:lstStyle/>
+          <a:p>
+            <a:endParaRPr lang="en-US"/>
+          </a:p>
+        </p:txBody>
+      </p:sp>
       <p:pic>
         <p:nvPicPr>
           <p:cNvPr id="4" name="Content Placeholder 3">
             <a:extLst>
               <a:ext uri="{FF2B5EF4-FFF2-40B4-BE49-F238E27FC236}">
-                <a16:creationId xmlns:a16="http://schemas.microsoft.com/office/drawing/2014/main" id="{EB40D161-AE99-1146-A10A-69F949325BA1}"/>
+                <a16:creationId xmlns:a16="http://schemas.microsoft.com/office/drawing/2014/main" id="{949142DF-9A0C-DD48-A5AA-AC7669FF8705}"/>
               </a:ext>
             </a:extLst>
           </p:cNvPr>
@@ -5086,8 +5294,8 @@
         </p:blipFill>
         <p:spPr>
           <a:xfrm>
-            <a:off x="2064666" y="601580"/>
-            <a:ext cx="8062668" cy="5363578"/>
+            <a:off x="2122196" y="2014194"/>
+            <a:ext cx="7947608" cy="3344152"/>
           </a:xfrm>
           <a:prstGeom prst="rect">
             <a:avLst/>
@@ -5097,7 +5305,7 @@
     </p:spTree>
     <p:extLst>
       <p:ext uri="{BB962C8B-B14F-4D97-AF65-F5344CB8AC3E}">
-        <p14:creationId xmlns:p14="http://schemas.microsoft.com/office/powerpoint/2010/main" val="2482876221"/>
+        <p14:creationId xmlns:p14="http://schemas.microsoft.com/office/powerpoint/2010/main" val="1052467422"/>
       </p:ext>
     </p:extLst>
   </p:cSld>
@@ -5124,114 +5332,67 @@
           <a:chExt cx="0" cy="0"/>
         </a:xfrm>
       </p:grpSpPr>
+      <p:sp>
+        <p:nvSpPr>
+          <p:cNvPr id="2" name="Title 1">
+            <a:extLst>
+              <a:ext uri="{FF2B5EF4-FFF2-40B4-BE49-F238E27FC236}">
+                <a16:creationId xmlns:a16="http://schemas.microsoft.com/office/drawing/2014/main" id="{7F4510DB-73E6-C14F-A0E7-2A866498C99F}"/>
+              </a:ext>
+            </a:extLst>
+          </p:cNvPr>
+          <p:cNvSpPr>
+            <a:spLocks noGrp="1"/>
+          </p:cNvSpPr>
+          <p:nvPr>
+            <p:ph type="title"/>
+          </p:nvPr>
+        </p:nvSpPr>
+        <p:spPr/>
+        <p:txBody>
+          <a:bodyPr/>
+          <a:lstStyle/>
+          <a:p>
+            <a:endParaRPr lang="en-US"/>
+          </a:p>
+        </p:txBody>
+      </p:sp>
       <p:pic>
         <p:nvPicPr>
-          <p:cNvPr id="4" name="Picture 3" descr="Low Angle View Of Clouds In Sky">
+          <p:cNvPr id="4" name="Content Placeholder 3">
             <a:extLst>
               <a:ext uri="{FF2B5EF4-FFF2-40B4-BE49-F238E27FC236}">
-                <a16:creationId xmlns:a16="http://schemas.microsoft.com/office/drawing/2014/main" id="{E7ED5F9D-3339-AA63-22ED-916A19AF911F}"/>
+                <a16:creationId xmlns:a16="http://schemas.microsoft.com/office/drawing/2014/main" id="{25A8B05F-3A03-7946-91C8-4A711324225E}"/>
               </a:ext>
             </a:extLst>
           </p:cNvPr>
           <p:cNvPicPr>
-            <a:picLocks noChangeAspect="1"/>
+            <a:picLocks noGrp="1" noChangeAspect="1"/>
           </p:cNvPicPr>
-          <p:nvPr/>
+          <p:nvPr>
+            <p:ph idx="1"/>
+          </p:nvPr>
         </p:nvPicPr>
-        <p:blipFill rotWithShape="1">
+        <p:blipFill>
           <a:blip r:embed="rId2"/>
-          <a:srcRect t="5715" b="10016"/>
-          <a:stretch/>
+          <a:stretch>
+            <a:fillRect/>
+          </a:stretch>
         </p:blipFill>
         <p:spPr>
           <a:xfrm>
-            <a:off x="20" y="10"/>
-            <a:ext cx="12191979" cy="6857990"/>
+            <a:off x="3812422" y="573293"/>
+            <a:ext cx="4567156" cy="5711413"/>
           </a:xfrm>
           <a:prstGeom prst="rect">
             <a:avLst/>
           </a:prstGeom>
         </p:spPr>
       </p:pic>
-      <p:sp>
-        <p:nvSpPr>
-          <p:cNvPr id="2" name="Title 1">
-            <a:extLst>
-              <a:ext uri="{FF2B5EF4-FFF2-40B4-BE49-F238E27FC236}">
-                <a16:creationId xmlns:a16="http://schemas.microsoft.com/office/drawing/2014/main" id="{4302C8E7-F8B7-6B45-A1C1-F16279356437}"/>
-              </a:ext>
-            </a:extLst>
-          </p:cNvPr>
-          <p:cNvSpPr>
-            <a:spLocks noGrp="1"/>
-          </p:cNvSpPr>
-          <p:nvPr>
-            <p:ph type="ctrTitle"/>
-          </p:nvPr>
-        </p:nvSpPr>
-        <p:spPr>
-          <a:xfrm>
-            <a:off x="1276055" y="2350017"/>
-            <a:ext cx="4775075" cy="1630906"/>
-          </a:xfrm>
-        </p:spPr>
-        <p:txBody>
-          <a:bodyPr>
-            <a:normAutofit/>
-          </a:bodyPr>
-          <a:lstStyle/>
-          <a:p>
-            <a:r>
-              <a:rPr lang="en-US" sz="4400" dirty="0">
-                <a:solidFill>
-                  <a:schemeClr val="tx1"/>
-                </a:solidFill>
-              </a:rPr>
-              <a:t>2014 CCC</a:t>
-            </a:r>
-          </a:p>
-        </p:txBody>
-      </p:sp>
-      <p:sp>
-        <p:nvSpPr>
-          <p:cNvPr id="3" name="Subtitle 2">
-            <a:extLst>
-              <a:ext uri="{FF2B5EF4-FFF2-40B4-BE49-F238E27FC236}">
-                <a16:creationId xmlns:a16="http://schemas.microsoft.com/office/drawing/2014/main" id="{66E30AD5-C679-1848-BC76-52F3945B307B}"/>
-              </a:ext>
-            </a:extLst>
-          </p:cNvPr>
-          <p:cNvSpPr>
-            <a:spLocks noGrp="1"/>
-          </p:cNvSpPr>
-          <p:nvPr>
-            <p:ph type="subTitle" idx="1"/>
-          </p:nvPr>
-        </p:nvSpPr>
-        <p:spPr>
-          <a:xfrm>
-            <a:off x="1276055" y="3990546"/>
-            <a:ext cx="4775075" cy="559656"/>
-          </a:xfrm>
-        </p:spPr>
-        <p:txBody>
-          <a:bodyPr>
-            <a:normAutofit/>
-          </a:bodyPr>
-          <a:lstStyle/>
-          <a:p>
-            <a:endParaRPr lang="en-US">
-              <a:solidFill>
-                <a:schemeClr val="tx1"/>
-              </a:solidFill>
-            </a:endParaRPr>
-          </a:p>
-        </p:txBody>
-      </p:sp>
     </p:spTree>
     <p:extLst>
       <p:ext uri="{BB962C8B-B14F-4D97-AF65-F5344CB8AC3E}">
-        <p14:creationId xmlns:p14="http://schemas.microsoft.com/office/powerpoint/2010/main" val="2320081203"/>
+        <p14:creationId xmlns:p14="http://schemas.microsoft.com/office/powerpoint/2010/main" val="23625043"/>
       </p:ext>
     </p:extLst>
   </p:cSld>
@@ -5263,7 +5424,7 @@
           <p:cNvPr id="2" name="Title 1">
             <a:extLst>
               <a:ext uri="{FF2B5EF4-FFF2-40B4-BE49-F238E27FC236}">
-                <a16:creationId xmlns:a16="http://schemas.microsoft.com/office/drawing/2014/main" id="{84E5BAB4-C979-EA4A-BC7B-A2F088C36F87}"/>
+                <a16:creationId xmlns:a16="http://schemas.microsoft.com/office/drawing/2014/main" id="{9D590268-6AB3-894A-BE01-6F8AE590D668}"/>
               </a:ext>
             </a:extLst>
           </p:cNvPr>
@@ -5279,51 +5440,46 @@
           <a:bodyPr/>
           <a:lstStyle/>
           <a:p>
-            <a:r>
-              <a:rPr lang="en-US" dirty="0"/>
-              <a:t>J5: Assigning Partners</a:t>
-            </a:r>
-          </a:p>
-        </p:txBody>
-      </p:sp>
-      <p:sp>
-        <p:nvSpPr>
-          <p:cNvPr id="3" name="Content Placeholder 2">
+            <a:endParaRPr lang="en-US"/>
+          </a:p>
+        </p:txBody>
+      </p:sp>
+      <p:pic>
+        <p:nvPicPr>
+          <p:cNvPr id="4" name="Content Placeholder 3">
             <a:extLst>
               <a:ext uri="{FF2B5EF4-FFF2-40B4-BE49-F238E27FC236}">
-                <a16:creationId xmlns:a16="http://schemas.microsoft.com/office/drawing/2014/main" id="{F08BCA97-E90D-D643-8236-5FC24F6C6C3F}"/>
+                <a16:creationId xmlns:a16="http://schemas.microsoft.com/office/drawing/2014/main" id="{26B07894-0252-8F42-A76B-2602F978C0CF}"/>
               </a:ext>
             </a:extLst>
           </p:cNvPr>
-          <p:cNvSpPr>
-            <a:spLocks noGrp="1"/>
-          </p:cNvSpPr>
+          <p:cNvPicPr>
+            <a:picLocks noGrp="1" noChangeAspect="1"/>
+          </p:cNvPicPr>
           <p:nvPr>
             <p:ph idx="1"/>
           </p:nvPr>
-        </p:nvSpPr>
-        <p:spPr/>
-        <p:txBody>
-          <a:bodyPr/>
-          <a:lstStyle/>
-          <a:p>
-            <a:r>
-              <a:rPr lang="en-US" dirty="0">
-                <a:hlinkClick r:id="rId2"/>
-              </a:rPr>
-              <a:t>https://dmoj.ca/problem/ccc14s2</a:t>
-            </a:r>
-            <a:endParaRPr lang="en-US" dirty="0"/>
-          </a:p>
-          <a:p>
-            <a:endParaRPr lang="en-US" dirty="0"/>
-          </a:p>
-        </p:txBody>
-      </p:sp>
+        </p:nvPicPr>
+        <p:blipFill>
+          <a:blip r:embed="rId2"/>
+          <a:stretch>
+            <a:fillRect/>
+          </a:stretch>
+        </p:blipFill>
+        <p:spPr>
+          <a:xfrm>
+            <a:off x="3509664" y="987843"/>
+            <a:ext cx="5172672" cy="4882314"/>
+          </a:xfrm>
+          <a:prstGeom prst="rect">
+            <a:avLst/>
+          </a:prstGeom>
+        </p:spPr>
+      </p:pic>
     </p:spTree>
     <p:extLst>
       <p:ext uri="{BB962C8B-B14F-4D97-AF65-F5344CB8AC3E}">
-        <p14:creationId xmlns:p14="http://schemas.microsoft.com/office/powerpoint/2010/main" val="3906649412"/>
+        <p14:creationId xmlns:p14="http://schemas.microsoft.com/office/powerpoint/2010/main" val="3054100550"/>
       </p:ext>
     </p:extLst>
   </p:cSld>
@@ -5355,7 +5511,7 @@
           <p:cNvPr id="2" name="Title 1">
             <a:extLst>
               <a:ext uri="{FF2B5EF4-FFF2-40B4-BE49-F238E27FC236}">
-                <a16:creationId xmlns:a16="http://schemas.microsoft.com/office/drawing/2014/main" id="{D519681F-50ED-2240-B180-78362ECB1818}"/>
+                <a16:creationId xmlns:a16="http://schemas.microsoft.com/office/drawing/2014/main" id="{C16C7322-5232-BD45-A88B-B773A8867FD6}"/>
               </a:ext>
             </a:extLst>
           </p:cNvPr>
@@ -5371,46 +5527,63 @@
           <a:bodyPr/>
           <a:lstStyle/>
           <a:p>
-            <a:endParaRPr lang="en-US"/>
-          </a:p>
-        </p:txBody>
-      </p:sp>
-      <p:pic>
-        <p:nvPicPr>
-          <p:cNvPr id="4" name="Content Placeholder 3">
+            <a:r>
+              <a:rPr lang="en-US" dirty="0"/>
+              <a:t>J5: Modern Art</a:t>
+            </a:r>
+          </a:p>
+        </p:txBody>
+      </p:sp>
+      <p:sp>
+        <p:nvSpPr>
+          <p:cNvPr id="3" name="Content Placeholder 2">
             <a:extLst>
               <a:ext uri="{FF2B5EF4-FFF2-40B4-BE49-F238E27FC236}">
-                <a16:creationId xmlns:a16="http://schemas.microsoft.com/office/drawing/2014/main" id="{4F229628-C150-B744-8E20-252801B67BB0}"/>
+                <a16:creationId xmlns:a16="http://schemas.microsoft.com/office/drawing/2014/main" id="{85907DA3-918A-8641-9924-FA714FE16091}"/>
               </a:ext>
             </a:extLst>
           </p:cNvPr>
-          <p:cNvPicPr>
-            <a:picLocks noGrp="1" noChangeAspect="1"/>
-          </p:cNvPicPr>
+          <p:cNvSpPr>
+            <a:spLocks noGrp="1"/>
+          </p:cNvSpPr>
           <p:nvPr>
             <p:ph idx="1"/>
           </p:nvPr>
-        </p:nvPicPr>
-        <p:blipFill>
-          <a:blip r:embed="rId2"/>
-          <a:stretch>
-            <a:fillRect/>
-          </a:stretch>
-        </p:blipFill>
-        <p:spPr>
-          <a:xfrm>
-            <a:off x="1066800" y="1674749"/>
-            <a:ext cx="10058400" cy="3508502"/>
-          </a:xfrm>
-          <a:prstGeom prst="rect">
-            <a:avLst/>
-          </a:prstGeom>
-        </p:spPr>
-      </p:pic>
+        </p:nvSpPr>
+        <p:spPr/>
+        <p:txBody>
+          <a:bodyPr/>
+          <a:lstStyle/>
+          <a:p>
+            <a:r>
+              <a:rPr lang="en-US" dirty="0">
+                <a:hlinkClick r:id="rId2"/>
+              </a:rPr>
+              <a:t>https://dmoj.ca/problem/ccc21s2</a:t>
+            </a:r>
+            <a:endParaRPr lang="en-US" dirty="0"/>
+          </a:p>
+          <a:p>
+            <a:r>
+              <a:rPr lang="en-US" altLang="zh-CN" dirty="0"/>
+              <a:t>A</a:t>
+            </a:r>
+            <a:r>
+              <a:rPr lang="zh-CN" altLang="en-US" dirty="0"/>
+              <a:t> </a:t>
+            </a:r>
+            <a:r>
+              <a:rPr lang="en-US" altLang="zh-CN" dirty="0"/>
+              <a:t>math problem….</a:t>
+            </a:r>
+            <a:endParaRPr lang="en-US" dirty="0"/>
+          </a:p>
+        </p:txBody>
+      </p:sp>
     </p:spTree>
     <p:extLst>
       <p:ext uri="{BB962C8B-B14F-4D97-AF65-F5344CB8AC3E}">
-        <p14:creationId xmlns:p14="http://schemas.microsoft.com/office/powerpoint/2010/main" val="2154572565"/>
+        <p14:creationId xmlns:p14="http://schemas.microsoft.com/office/powerpoint/2010/main" val="2614223034"/>
       </p:ext>
     </p:extLst>
   </p:cSld>
@@ -5442,7 +5615,7 @@
           <p:cNvPr id="2" name="Title 1">
             <a:extLst>
               <a:ext uri="{FF2B5EF4-FFF2-40B4-BE49-F238E27FC236}">
-                <a16:creationId xmlns:a16="http://schemas.microsoft.com/office/drawing/2014/main" id="{E459AEF9-B6DC-BF41-98F7-FE065C642FF4}"/>
+                <a16:creationId xmlns:a16="http://schemas.microsoft.com/office/drawing/2014/main" id="{7949281A-3EEA-6E41-8E68-5A9588658A92}"/>
               </a:ext>
             </a:extLst>
           </p:cNvPr>
@@ -5467,7 +5640,7 @@
           <p:cNvPr id="4" name="Content Placeholder 3">
             <a:extLst>
               <a:ext uri="{FF2B5EF4-FFF2-40B4-BE49-F238E27FC236}">
-                <a16:creationId xmlns:a16="http://schemas.microsoft.com/office/drawing/2014/main" id="{84DA68C7-B83C-8B4A-9D74-977B1B0CE893}"/>
+                <a16:creationId xmlns:a16="http://schemas.microsoft.com/office/drawing/2014/main" id="{2BFCC24F-502A-3446-8CCF-2FA8CD04809E}"/>
               </a:ext>
             </a:extLst>
           </p:cNvPr>
@@ -5486,8 +5659,8 @@
         </p:blipFill>
         <p:spPr>
           <a:xfrm>
-            <a:off x="1480169" y="903621"/>
-            <a:ext cx="9231661" cy="5050757"/>
+            <a:off x="1245394" y="1504156"/>
+            <a:ext cx="9701211" cy="3849687"/>
           </a:xfrm>
           <a:prstGeom prst="rect">
             <a:avLst/>
@@ -5497,7 +5670,7 @@
     </p:spTree>
     <p:extLst>
       <p:ext uri="{BB962C8B-B14F-4D97-AF65-F5344CB8AC3E}">
-        <p14:creationId xmlns:p14="http://schemas.microsoft.com/office/powerpoint/2010/main" val="2415212041"/>
+        <p14:creationId xmlns:p14="http://schemas.microsoft.com/office/powerpoint/2010/main" val="1571910244"/>
       </p:ext>
     </p:extLst>
   </p:cSld>
@@ -5524,114 +5697,67 @@
           <a:chExt cx="0" cy="0"/>
         </a:xfrm>
       </p:grpSpPr>
+      <p:sp>
+        <p:nvSpPr>
+          <p:cNvPr id="2" name="Title 1">
+            <a:extLst>
+              <a:ext uri="{FF2B5EF4-FFF2-40B4-BE49-F238E27FC236}">
+                <a16:creationId xmlns:a16="http://schemas.microsoft.com/office/drawing/2014/main" id="{8D8C0BFB-A74F-1648-96EB-270BD76E8047}"/>
+              </a:ext>
+            </a:extLst>
+          </p:cNvPr>
+          <p:cNvSpPr>
+            <a:spLocks noGrp="1"/>
+          </p:cNvSpPr>
+          <p:nvPr>
+            <p:ph type="title"/>
+          </p:nvPr>
+        </p:nvSpPr>
+        <p:spPr/>
+        <p:txBody>
+          <a:bodyPr/>
+          <a:lstStyle/>
+          <a:p>
+            <a:endParaRPr lang="en-US"/>
+          </a:p>
+        </p:txBody>
+      </p:sp>
       <p:pic>
         <p:nvPicPr>
-          <p:cNvPr id="4" name="Picture 3" descr="Low Angle View Of Clouds In Sky">
+          <p:cNvPr id="4" name="Content Placeholder 3">
             <a:extLst>
               <a:ext uri="{FF2B5EF4-FFF2-40B4-BE49-F238E27FC236}">
-                <a16:creationId xmlns:a16="http://schemas.microsoft.com/office/drawing/2014/main" id="{E7ED5F9D-3339-AA63-22ED-916A19AF911F}"/>
+                <a16:creationId xmlns:a16="http://schemas.microsoft.com/office/drawing/2014/main" id="{2BE672D1-44B9-E949-813F-F963F6622B0E}"/>
               </a:ext>
             </a:extLst>
           </p:cNvPr>
           <p:cNvPicPr>
-            <a:picLocks noChangeAspect="1"/>
+            <a:picLocks noGrp="1" noChangeAspect="1"/>
           </p:cNvPicPr>
-          <p:nvPr/>
+          <p:nvPr>
+            <p:ph idx="1"/>
+          </p:nvPr>
         </p:nvPicPr>
-        <p:blipFill rotWithShape="1">
+        <p:blipFill>
           <a:blip r:embed="rId2"/>
-          <a:srcRect t="5715" b="10016"/>
-          <a:stretch/>
+          <a:stretch>
+            <a:fillRect/>
+          </a:stretch>
         </p:blipFill>
         <p:spPr>
           <a:xfrm>
-            <a:off x="20" y="10"/>
-            <a:ext cx="12191979" cy="6857990"/>
+            <a:off x="1245801" y="1504156"/>
+            <a:ext cx="9700398" cy="3849687"/>
           </a:xfrm>
           <a:prstGeom prst="rect">
             <a:avLst/>
           </a:prstGeom>
         </p:spPr>
       </p:pic>
-      <p:sp>
-        <p:nvSpPr>
-          <p:cNvPr id="2" name="Title 1">
-            <a:extLst>
-              <a:ext uri="{FF2B5EF4-FFF2-40B4-BE49-F238E27FC236}">
-                <a16:creationId xmlns:a16="http://schemas.microsoft.com/office/drawing/2014/main" id="{4302C8E7-F8B7-6B45-A1C1-F16279356437}"/>
-              </a:ext>
-            </a:extLst>
-          </p:cNvPr>
-          <p:cNvSpPr>
-            <a:spLocks noGrp="1"/>
-          </p:cNvSpPr>
-          <p:nvPr>
-            <p:ph type="ctrTitle"/>
-          </p:nvPr>
-        </p:nvSpPr>
-        <p:spPr>
-          <a:xfrm>
-            <a:off x="1276055" y="2350017"/>
-            <a:ext cx="4775075" cy="1630906"/>
-          </a:xfrm>
-        </p:spPr>
-        <p:txBody>
-          <a:bodyPr>
-            <a:normAutofit/>
-          </a:bodyPr>
-          <a:lstStyle/>
-          <a:p>
-            <a:r>
-              <a:rPr lang="en-US" sz="4400" dirty="0">
-                <a:solidFill>
-                  <a:schemeClr val="tx1"/>
-                </a:solidFill>
-              </a:rPr>
-              <a:t>2022 CCC</a:t>
-            </a:r>
-          </a:p>
-        </p:txBody>
-      </p:sp>
-      <p:sp>
-        <p:nvSpPr>
-          <p:cNvPr id="3" name="Subtitle 2">
-            <a:extLst>
-              <a:ext uri="{FF2B5EF4-FFF2-40B4-BE49-F238E27FC236}">
-                <a16:creationId xmlns:a16="http://schemas.microsoft.com/office/drawing/2014/main" id="{66E30AD5-C679-1848-BC76-52F3945B307B}"/>
-              </a:ext>
-            </a:extLst>
-          </p:cNvPr>
-          <p:cNvSpPr>
-            <a:spLocks noGrp="1"/>
-          </p:cNvSpPr>
-          <p:nvPr>
-            <p:ph type="subTitle" idx="1"/>
-          </p:nvPr>
-        </p:nvSpPr>
-        <p:spPr>
-          <a:xfrm>
-            <a:off x="1276055" y="3990546"/>
-            <a:ext cx="4775075" cy="559656"/>
-          </a:xfrm>
-        </p:spPr>
-        <p:txBody>
-          <a:bodyPr>
-            <a:normAutofit/>
-          </a:bodyPr>
-          <a:lstStyle/>
-          <a:p>
-            <a:endParaRPr lang="en-US">
-              <a:solidFill>
-                <a:schemeClr val="tx1"/>
-              </a:solidFill>
-            </a:endParaRPr>
-          </a:p>
-        </p:txBody>
-      </p:sp>
     </p:spTree>
     <p:extLst>
       <p:ext uri="{BB962C8B-B14F-4D97-AF65-F5344CB8AC3E}">
-        <p14:creationId xmlns:p14="http://schemas.microsoft.com/office/powerpoint/2010/main" val="3911406364"/>
+        <p14:creationId xmlns:p14="http://schemas.microsoft.com/office/powerpoint/2010/main" val="1961534189"/>
       </p:ext>
     </p:extLst>
   </p:cSld>
@@ -5658,12 +5784,41 @@
           <a:chExt cx="0" cy="0"/>
         </a:xfrm>
       </p:grpSpPr>
+      <p:pic>
+        <p:nvPicPr>
+          <p:cNvPr id="4" name="Picture 3" descr="Low Angle View Of Clouds In Sky">
+            <a:extLst>
+              <a:ext uri="{FF2B5EF4-FFF2-40B4-BE49-F238E27FC236}">
+                <a16:creationId xmlns:a16="http://schemas.microsoft.com/office/drawing/2014/main" id="{E7ED5F9D-3339-AA63-22ED-916A19AF911F}"/>
+              </a:ext>
+            </a:extLst>
+          </p:cNvPr>
+          <p:cNvPicPr>
+            <a:picLocks noChangeAspect="1"/>
+          </p:cNvPicPr>
+          <p:nvPr/>
+        </p:nvPicPr>
+        <p:blipFill rotWithShape="1">
+          <a:blip r:embed="rId2"/>
+          <a:srcRect t="5715" b="10016"/>
+          <a:stretch/>
+        </p:blipFill>
+        <p:spPr>
+          <a:xfrm>
+            <a:off x="20" y="10"/>
+            <a:ext cx="12191979" cy="6857990"/>
+          </a:xfrm>
+          <a:prstGeom prst="rect">
+            <a:avLst/>
+          </a:prstGeom>
+        </p:spPr>
+      </p:pic>
       <p:sp>
         <p:nvSpPr>
           <p:cNvPr id="2" name="Title 1">
             <a:extLst>
               <a:ext uri="{FF2B5EF4-FFF2-40B4-BE49-F238E27FC236}">
-                <a16:creationId xmlns:a16="http://schemas.microsoft.com/office/drawing/2014/main" id="{84E5BAB4-C979-EA4A-BC7B-A2F088C36F87}"/>
+                <a16:creationId xmlns:a16="http://schemas.microsoft.com/office/drawing/2014/main" id="{4302C8E7-F8B7-6B45-A1C1-F16279356437}"/>
               </a:ext>
             </a:extLst>
           </p:cNvPr>
@@ -5671,27 +5826,38 @@
             <a:spLocks noGrp="1"/>
           </p:cNvSpPr>
           <p:nvPr>
-            <p:ph type="title"/>
-          </p:nvPr>
-        </p:nvSpPr>
-        <p:spPr/>
-        <p:txBody>
-          <a:bodyPr/>
+            <p:ph type="ctrTitle"/>
+          </p:nvPr>
+        </p:nvSpPr>
+        <p:spPr>
+          <a:xfrm>
+            <a:off x="1276055" y="2350017"/>
+            <a:ext cx="4775075" cy="1630906"/>
+          </a:xfrm>
+        </p:spPr>
+        <p:txBody>
+          <a:bodyPr>
+            <a:normAutofit/>
+          </a:bodyPr>
           <a:lstStyle/>
           <a:p>
             <a:r>
-              <a:rPr lang="en-US" dirty="0"/>
-              <a:t>J5: Square Pool</a:t>
-            </a:r>
-          </a:p>
-        </p:txBody>
-      </p:sp>
-      <p:sp>
-        <p:nvSpPr>
-          <p:cNvPr id="3" name="Content Placeholder 2">
+              <a:rPr lang="en-US" sz="4400" dirty="0">
+                <a:solidFill>
+                  <a:schemeClr val="tx1"/>
+                </a:solidFill>
+              </a:rPr>
+              <a:t>2019 CCC</a:t>
+            </a:r>
+          </a:p>
+        </p:txBody>
+      </p:sp>
+      <p:sp>
+        <p:nvSpPr>
+          <p:cNvPr id="3" name="Subtitle 2">
             <a:extLst>
               <a:ext uri="{FF2B5EF4-FFF2-40B4-BE49-F238E27FC236}">
-                <a16:creationId xmlns:a16="http://schemas.microsoft.com/office/drawing/2014/main" id="{F08BCA97-E90D-D643-8236-5FC24F6C6C3F}"/>
+                <a16:creationId xmlns:a16="http://schemas.microsoft.com/office/drawing/2014/main" id="{66E30AD5-C679-1848-BC76-52F3945B307B}"/>
               </a:ext>
             </a:extLst>
           </p:cNvPr>
@@ -5699,31 +5865,33 @@
             <a:spLocks noGrp="1"/>
           </p:cNvSpPr>
           <p:nvPr>
-            <p:ph idx="1"/>
-          </p:nvPr>
-        </p:nvSpPr>
-        <p:spPr/>
-        <p:txBody>
-          <a:bodyPr/>
+            <p:ph type="subTitle" idx="1"/>
+          </p:nvPr>
+        </p:nvSpPr>
+        <p:spPr>
+          <a:xfrm>
+            <a:off x="1276055" y="3990546"/>
+            <a:ext cx="4775075" cy="559656"/>
+          </a:xfrm>
+        </p:spPr>
+        <p:txBody>
+          <a:bodyPr>
+            <a:normAutofit/>
+          </a:bodyPr>
           <a:lstStyle/>
           <a:p>
-            <a:r>
-              <a:rPr lang="en-US" dirty="0">
-                <a:hlinkClick r:id="rId2"/>
-              </a:rPr>
-              <a:t>https://dmoj.ca/problem/ccc22j5</a:t>
-            </a:r>
-            <a:endParaRPr lang="en-US" dirty="0"/>
-          </a:p>
-          <a:p>
-            <a:endParaRPr lang="en-US" dirty="0"/>
+            <a:endParaRPr lang="en-US">
+              <a:solidFill>
+                <a:schemeClr val="tx1"/>
+              </a:solidFill>
+            </a:endParaRPr>
           </a:p>
         </p:txBody>
       </p:sp>
     </p:spTree>
     <p:extLst>
       <p:ext uri="{BB962C8B-B14F-4D97-AF65-F5344CB8AC3E}">
-        <p14:creationId xmlns:p14="http://schemas.microsoft.com/office/powerpoint/2010/main" val="2255202063"/>
+        <p14:creationId xmlns:p14="http://schemas.microsoft.com/office/powerpoint/2010/main" val="3375769978"/>
       </p:ext>
     </p:extLst>
   </p:cSld>
@@ -5755,7 +5923,7 @@
           <p:cNvPr id="2" name="Title 1">
             <a:extLst>
               <a:ext uri="{FF2B5EF4-FFF2-40B4-BE49-F238E27FC236}">
-                <a16:creationId xmlns:a16="http://schemas.microsoft.com/office/drawing/2014/main" id="{3DDFD201-EC42-624A-A49C-1F9C4592F860}"/>
+                <a16:creationId xmlns:a16="http://schemas.microsoft.com/office/drawing/2014/main" id="{2FCE66DA-4607-F947-B8A1-9E21A55D57AE}"/>
               </a:ext>
             </a:extLst>
           </p:cNvPr>
@@ -5773,7 +5941,7 @@
           <a:p>
             <a:r>
               <a:rPr lang="en-US" dirty="0"/>
-              <a:t>J4 Arranging Books</a:t>
+              <a:t>J5: Escape Room</a:t>
             </a:r>
           </a:p>
         </p:txBody>
@@ -5783,7 +5951,7 @@
           <p:cNvPr id="3" name="Content Placeholder 2">
             <a:extLst>
               <a:ext uri="{FF2B5EF4-FFF2-40B4-BE49-F238E27FC236}">
-                <a16:creationId xmlns:a16="http://schemas.microsoft.com/office/drawing/2014/main" id="{D5C39A99-41C4-B849-B33A-90F6AB3E1F07}"/>
+                <a16:creationId xmlns:a16="http://schemas.microsoft.com/office/drawing/2014/main" id="{583175F9-DA9D-DF4B-90FA-801388DC67CA}"/>
               </a:ext>
             </a:extLst>
           </p:cNvPr>
@@ -5800,25 +5968,25 @@
           <a:lstStyle/>
           <a:p>
             <a:r>
-              <a:rPr lang="en-US" dirty="0">
-                <a:hlinkClick r:id="rId2"/>
-              </a:rPr>
-              <a:t>https://dmoj.ca/problem/ccc21j4</a:t>
-            </a:r>
+              <a:rPr lang="en-US" sz="2400" dirty="0"/>
+              <a:t>BFS vs DFS</a:t>
+            </a:r>
+          </a:p>
+          <a:p>
+            <a:r>
+              <a:rPr lang="en-US" sz="2400" dirty="0"/>
+              <a:t>How can we convert the question to a graph problem?</a:t>
+            </a:r>
+          </a:p>
+          <a:p>
             <a:endParaRPr lang="en-US" dirty="0"/>
-          </a:p>
-          <a:p>
-            <a:r>
-              <a:rPr lang="en-US" dirty="0"/>
-              <a:t>A math problem….</a:t>
-            </a:r>
           </a:p>
         </p:txBody>
       </p:sp>
     </p:spTree>
     <p:extLst>
       <p:ext uri="{BB962C8B-B14F-4D97-AF65-F5344CB8AC3E}">
-        <p14:creationId xmlns:p14="http://schemas.microsoft.com/office/powerpoint/2010/main" val="2103720615"/>
+        <p14:creationId xmlns:p14="http://schemas.microsoft.com/office/powerpoint/2010/main" val="1024233227"/>
       </p:ext>
     </p:extLst>
   </p:cSld>
@@ -5850,6 +6018,1207 @@
           <p:cNvPr id="2" name="Title 1">
             <a:extLst>
               <a:ext uri="{FF2B5EF4-FFF2-40B4-BE49-F238E27FC236}">
+                <a16:creationId xmlns:a16="http://schemas.microsoft.com/office/drawing/2014/main" id="{C16C7322-5232-BD45-A88B-B773A8867FD6}"/>
+              </a:ext>
+            </a:extLst>
+          </p:cNvPr>
+          <p:cNvSpPr>
+            <a:spLocks noGrp="1"/>
+          </p:cNvSpPr>
+          <p:nvPr>
+            <p:ph type="title"/>
+          </p:nvPr>
+        </p:nvSpPr>
+        <p:spPr/>
+        <p:txBody>
+          <a:bodyPr/>
+          <a:lstStyle/>
+          <a:p>
+            <a:r>
+              <a:rPr lang="en-US" dirty="0"/>
+              <a:t>J5: Rule of Three</a:t>
+            </a:r>
+          </a:p>
+        </p:txBody>
+      </p:sp>
+      <p:sp>
+        <p:nvSpPr>
+          <p:cNvPr id="3" name="Content Placeholder 2">
+            <a:extLst>
+              <a:ext uri="{FF2B5EF4-FFF2-40B4-BE49-F238E27FC236}">
+                <a16:creationId xmlns:a16="http://schemas.microsoft.com/office/drawing/2014/main" id="{85907DA3-918A-8641-9924-FA714FE16091}"/>
+              </a:ext>
+            </a:extLst>
+          </p:cNvPr>
+          <p:cNvSpPr>
+            <a:spLocks noGrp="1"/>
+          </p:cNvSpPr>
+          <p:nvPr>
+            <p:ph idx="1"/>
+          </p:nvPr>
+        </p:nvSpPr>
+        <p:spPr/>
+        <p:txBody>
+          <a:bodyPr/>
+          <a:lstStyle/>
+          <a:p>
+            <a:r>
+              <a:rPr lang="en-US" dirty="0">
+                <a:hlinkClick r:id="rId2"/>
+              </a:rPr>
+              <a:t>https://dmoj.ca/problem/ccc19j5</a:t>
+            </a:r>
+            <a:endParaRPr lang="en-US" dirty="0"/>
+          </a:p>
+          <a:p>
+            <a:r>
+              <a:rPr lang="en-US" altLang="zh-CN" dirty="0"/>
+              <a:t>A</a:t>
+            </a:r>
+            <a:r>
+              <a:rPr lang="zh-CN" altLang="en-US" dirty="0"/>
+              <a:t> </a:t>
+            </a:r>
+            <a:r>
+              <a:rPr lang="en-US" altLang="zh-CN" dirty="0"/>
+              <a:t>recursion problem</a:t>
+            </a:r>
+            <a:endParaRPr lang="en-US" dirty="0"/>
+          </a:p>
+        </p:txBody>
+      </p:sp>
+    </p:spTree>
+    <p:extLst>
+      <p:ext uri="{BB962C8B-B14F-4D97-AF65-F5344CB8AC3E}">
+        <p14:creationId xmlns:p14="http://schemas.microsoft.com/office/powerpoint/2010/main" val="237021135"/>
+      </p:ext>
+    </p:extLst>
+  </p:cSld>
+  <p:clrMapOvr>
+    <a:masterClrMapping/>
+  </p:clrMapOvr>
+</p:sld>
+</file>
+
+<file path=ppt/slides/slide21.xml><?xml version="1.0" encoding="utf-8"?>
+<p:sld xmlns:a="http://schemas.openxmlformats.org/drawingml/2006/main" xmlns:r="http://schemas.openxmlformats.org/officeDocument/2006/relationships" xmlns:p="http://schemas.openxmlformats.org/presentationml/2006/main">
+  <p:cSld>
+    <p:spTree>
+      <p:nvGrpSpPr>
+        <p:cNvPr id="1" name=""/>
+        <p:cNvGrpSpPr/>
+        <p:nvPr/>
+      </p:nvGrpSpPr>
+      <p:grpSpPr>
+        <a:xfrm>
+          <a:off x="0" y="0"/>
+          <a:ext cx="0" cy="0"/>
+          <a:chOff x="0" y="0"/>
+          <a:chExt cx="0" cy="0"/>
+        </a:xfrm>
+      </p:grpSpPr>
+      <p:sp>
+        <p:nvSpPr>
+          <p:cNvPr id="2" name="Title 1">
+            <a:extLst>
+              <a:ext uri="{FF2B5EF4-FFF2-40B4-BE49-F238E27FC236}">
+                <a16:creationId xmlns:a16="http://schemas.microsoft.com/office/drawing/2014/main" id="{D114822E-2DFC-C948-9879-8F0E79F8BC95}"/>
+              </a:ext>
+            </a:extLst>
+          </p:cNvPr>
+          <p:cNvSpPr>
+            <a:spLocks noGrp="1"/>
+          </p:cNvSpPr>
+          <p:nvPr>
+            <p:ph type="title"/>
+          </p:nvPr>
+        </p:nvSpPr>
+        <p:spPr/>
+        <p:txBody>
+          <a:bodyPr/>
+          <a:lstStyle/>
+          <a:p>
+            <a:r>
+              <a:rPr lang="en-US" dirty="0"/>
+              <a:t>J5: Rule of Three</a:t>
+            </a:r>
+          </a:p>
+        </p:txBody>
+      </p:sp>
+      <p:sp>
+        <p:nvSpPr>
+          <p:cNvPr id="3" name="Content Placeholder 2">
+            <a:extLst>
+              <a:ext uri="{FF2B5EF4-FFF2-40B4-BE49-F238E27FC236}">
+                <a16:creationId xmlns:a16="http://schemas.microsoft.com/office/drawing/2014/main" id="{EB997042-70E4-EA47-9A45-495F8C17038E}"/>
+              </a:ext>
+            </a:extLst>
+          </p:cNvPr>
+          <p:cNvSpPr>
+            <a:spLocks noGrp="1"/>
+          </p:cNvSpPr>
+          <p:nvPr>
+            <p:ph idx="1"/>
+          </p:nvPr>
+        </p:nvSpPr>
+        <p:spPr>
+          <a:xfrm>
+            <a:off x="1066800" y="2103120"/>
+            <a:ext cx="10058400" cy="4112286"/>
+          </a:xfrm>
+        </p:spPr>
+        <p:txBody>
+          <a:bodyPr>
+            <a:normAutofit/>
+          </a:bodyPr>
+          <a:lstStyle/>
+          <a:p>
+            <a:r>
+              <a:rPr lang="en-US" sz="2400" dirty="0"/>
+              <a:t>We want to determine the steps to take such that we can transform I (initial sequence) to F (final sequence) in S number of steps using the three rules</a:t>
+            </a:r>
+          </a:p>
+          <a:p>
+            <a:r>
+              <a:rPr lang="en-US" sz="2400" dirty="0"/>
+              <a:t>Rules: </a:t>
+            </a:r>
+          </a:p>
+          <a:p>
+            <a:pPr lvl="1"/>
+            <a:r>
+              <a:rPr lang="en-US" sz="2000" dirty="0"/>
+              <a:t>1. AA -&gt; AB</a:t>
+            </a:r>
+          </a:p>
+          <a:p>
+            <a:pPr lvl="1"/>
+            <a:r>
+              <a:rPr lang="en-US" sz="2000" dirty="0"/>
+              <a:t>2. AB -&gt; BB</a:t>
+            </a:r>
+          </a:p>
+          <a:p>
+            <a:pPr lvl="1"/>
+            <a:r>
+              <a:rPr lang="en-US" sz="2000" dirty="0"/>
+              <a:t>3. B -&gt; AA</a:t>
+            </a:r>
+          </a:p>
+          <a:p>
+            <a:r>
+              <a:rPr lang="en-US" sz="2200" dirty="0"/>
+              <a:t>Sequence:</a:t>
+            </a:r>
+          </a:p>
+          <a:p>
+            <a:pPr lvl="1"/>
+            <a:r>
+              <a:rPr lang="en-US" sz="2000" dirty="0"/>
+              <a:t>AAAA</a:t>
+            </a:r>
+          </a:p>
+          <a:p>
+            <a:pPr lvl="1"/>
+            <a:r>
+              <a:rPr lang="en-US" sz="2000" dirty="0"/>
+              <a:t>ABAB</a:t>
+            </a:r>
+          </a:p>
+          <a:p>
+            <a:pPr lvl="1"/>
+            <a:r>
+              <a:rPr lang="en-US" sz="2000" dirty="0"/>
+              <a:t>AAAB</a:t>
+            </a:r>
+          </a:p>
+          <a:p>
+            <a:endParaRPr lang="en-US" sz="2400" dirty="0"/>
+          </a:p>
+        </p:txBody>
+      </p:sp>
+    </p:spTree>
+    <p:extLst>
+      <p:ext uri="{BB962C8B-B14F-4D97-AF65-F5344CB8AC3E}">
+        <p14:creationId xmlns:p14="http://schemas.microsoft.com/office/powerpoint/2010/main" val="1250582436"/>
+      </p:ext>
+    </p:extLst>
+  </p:cSld>
+  <p:clrMapOvr>
+    <a:masterClrMapping/>
+  </p:clrMapOvr>
+</p:sld>
+</file>
+
+<file path=ppt/slides/slide22.xml><?xml version="1.0" encoding="utf-8"?>
+<p:sld xmlns:a="http://schemas.openxmlformats.org/drawingml/2006/main" xmlns:r="http://schemas.openxmlformats.org/officeDocument/2006/relationships" xmlns:p="http://schemas.openxmlformats.org/presentationml/2006/main">
+  <p:cSld>
+    <p:spTree>
+      <p:nvGrpSpPr>
+        <p:cNvPr id="1" name=""/>
+        <p:cNvGrpSpPr/>
+        <p:nvPr/>
+      </p:nvGrpSpPr>
+      <p:grpSpPr>
+        <a:xfrm>
+          <a:off x="0" y="0"/>
+          <a:ext cx="0" cy="0"/>
+          <a:chOff x="0" y="0"/>
+          <a:chExt cx="0" cy="0"/>
+        </a:xfrm>
+      </p:grpSpPr>
+      <p:sp>
+        <p:nvSpPr>
+          <p:cNvPr id="2" name="Title 1">
+            <a:extLst>
+              <a:ext uri="{FF2B5EF4-FFF2-40B4-BE49-F238E27FC236}">
+                <a16:creationId xmlns:a16="http://schemas.microsoft.com/office/drawing/2014/main" id="{EA3FBF42-DD9C-ED4E-9C49-62BE7F212A86}"/>
+              </a:ext>
+            </a:extLst>
+          </p:cNvPr>
+          <p:cNvSpPr>
+            <a:spLocks noGrp="1"/>
+          </p:cNvSpPr>
+          <p:nvPr>
+            <p:ph type="title"/>
+          </p:nvPr>
+        </p:nvSpPr>
+        <p:spPr/>
+        <p:txBody>
+          <a:bodyPr/>
+          <a:lstStyle/>
+          <a:p>
+            <a:r>
+              <a:rPr lang="en-US" dirty="0"/>
+              <a:t>J5: Rule of Three</a:t>
+            </a:r>
+          </a:p>
+        </p:txBody>
+      </p:sp>
+      <p:sp>
+        <p:nvSpPr>
+          <p:cNvPr id="3" name="Content Placeholder 2">
+            <a:extLst>
+              <a:ext uri="{FF2B5EF4-FFF2-40B4-BE49-F238E27FC236}">
+                <a16:creationId xmlns:a16="http://schemas.microsoft.com/office/drawing/2014/main" id="{31C047EF-19CD-7C47-80FF-BDABC66A5AE6}"/>
+              </a:ext>
+            </a:extLst>
+          </p:cNvPr>
+          <p:cNvSpPr>
+            <a:spLocks noGrp="1"/>
+          </p:cNvSpPr>
+          <p:nvPr>
+            <p:ph idx="1"/>
+          </p:nvPr>
+        </p:nvSpPr>
+        <p:spPr>
+          <a:xfrm>
+            <a:off x="1066800" y="2103119"/>
+            <a:ext cx="10058400" cy="4369869"/>
+          </a:xfrm>
+        </p:spPr>
+        <p:txBody>
+          <a:bodyPr>
+            <a:normAutofit/>
+          </a:bodyPr>
+          <a:lstStyle/>
+          <a:p>
+            <a:r>
+              <a:rPr lang="en-US" sz="2400" dirty="0"/>
+              <a:t>Define</a:t>
+            </a:r>
+          </a:p>
+          <a:p>
+            <a:r>
+              <a:rPr lang="en-US" sz="2400" dirty="0"/>
+              <a:t>Problem:</a:t>
+            </a:r>
+          </a:p>
+          <a:p>
+            <a:pPr lvl="1"/>
+            <a:r>
+              <a:rPr lang="en-US" sz="2200" dirty="0"/>
+              <a:t>R(I, F, n) := list of steps to take such that I will become F</a:t>
+            </a:r>
+          </a:p>
+          <a:p>
+            <a:r>
+              <a:rPr lang="en-US" sz="2400" dirty="0"/>
+              <a:t>Reduction to subproblems:</a:t>
+            </a:r>
+          </a:p>
+          <a:p>
+            <a:pPr lvl="1"/>
+            <a:r>
+              <a:rPr lang="en-US" sz="2200" dirty="0"/>
+              <a:t>R(I, F, n) depends on R(I, F, with rule 1 applied, n-1), R(I, F, with rule 2 applied, n-1), R(I, f with rule 3 applied, n-1), </a:t>
+            </a:r>
+          </a:p>
+          <a:p>
+            <a:r>
+              <a:rPr lang="en-US" sz="2400" dirty="0"/>
+              <a:t>Combine solutions:</a:t>
+            </a:r>
+          </a:p>
+          <a:p>
+            <a:pPr lvl="1"/>
+            <a:r>
+              <a:rPr lang="en-US" sz="2200" dirty="0"/>
+              <a:t>If n &lt; 0, we can take no more steps</a:t>
+            </a:r>
+          </a:p>
+          <a:p>
+            <a:pPr lvl="1"/>
+            <a:r>
+              <a:rPr lang="en-US" sz="2200" dirty="0"/>
+              <a:t>If n == 0 and I == F, then the list of steps is what we want</a:t>
+            </a:r>
+          </a:p>
+          <a:p>
+            <a:pPr lvl="1"/>
+            <a:r>
+              <a:rPr lang="en-US" sz="2200" dirty="0"/>
+              <a:t>If n &gt; 0, do more processing</a:t>
+            </a:r>
+          </a:p>
+        </p:txBody>
+      </p:sp>
+    </p:spTree>
+    <p:extLst>
+      <p:ext uri="{BB962C8B-B14F-4D97-AF65-F5344CB8AC3E}">
+        <p14:creationId xmlns:p14="http://schemas.microsoft.com/office/powerpoint/2010/main" val="4106846683"/>
+      </p:ext>
+    </p:extLst>
+  </p:cSld>
+  <p:clrMapOvr>
+    <a:masterClrMapping/>
+  </p:clrMapOvr>
+</p:sld>
+</file>
+
+<file path=ppt/slides/slide23.xml><?xml version="1.0" encoding="utf-8"?>
+<p:sld xmlns:a="http://schemas.openxmlformats.org/drawingml/2006/main" xmlns:r="http://schemas.openxmlformats.org/officeDocument/2006/relationships" xmlns:p="http://schemas.openxmlformats.org/presentationml/2006/main">
+  <p:cSld>
+    <p:spTree>
+      <p:nvGrpSpPr>
+        <p:cNvPr id="1" name=""/>
+        <p:cNvGrpSpPr/>
+        <p:nvPr/>
+      </p:nvGrpSpPr>
+      <p:grpSpPr>
+        <a:xfrm>
+          <a:off x="0" y="0"/>
+          <a:ext cx="0" cy="0"/>
+          <a:chOff x="0" y="0"/>
+          <a:chExt cx="0" cy="0"/>
+        </a:xfrm>
+      </p:grpSpPr>
+      <p:pic>
+        <p:nvPicPr>
+          <p:cNvPr id="4" name="Content Placeholder 3">
+            <a:extLst>
+              <a:ext uri="{FF2B5EF4-FFF2-40B4-BE49-F238E27FC236}">
+                <a16:creationId xmlns:a16="http://schemas.microsoft.com/office/drawing/2014/main" id="{EB40D161-AE99-1146-A10A-69F949325BA1}"/>
+              </a:ext>
+            </a:extLst>
+          </p:cNvPr>
+          <p:cNvPicPr>
+            <a:picLocks noGrp="1" noChangeAspect="1"/>
+          </p:cNvPicPr>
+          <p:nvPr>
+            <p:ph idx="1"/>
+          </p:nvPr>
+        </p:nvPicPr>
+        <p:blipFill>
+          <a:blip r:embed="rId2"/>
+          <a:stretch>
+            <a:fillRect/>
+          </a:stretch>
+        </p:blipFill>
+        <p:spPr>
+          <a:xfrm>
+            <a:off x="2064666" y="601580"/>
+            <a:ext cx="8062668" cy="5363578"/>
+          </a:xfrm>
+          <a:prstGeom prst="rect">
+            <a:avLst/>
+          </a:prstGeom>
+        </p:spPr>
+      </p:pic>
+    </p:spTree>
+    <p:extLst>
+      <p:ext uri="{BB962C8B-B14F-4D97-AF65-F5344CB8AC3E}">
+        <p14:creationId xmlns:p14="http://schemas.microsoft.com/office/powerpoint/2010/main" val="2482876221"/>
+      </p:ext>
+    </p:extLst>
+  </p:cSld>
+  <p:clrMapOvr>
+    <a:masterClrMapping/>
+  </p:clrMapOvr>
+</p:sld>
+</file>
+
+<file path=ppt/slides/slide24.xml><?xml version="1.0" encoding="utf-8"?>
+<p:sld xmlns:a="http://schemas.openxmlformats.org/drawingml/2006/main" xmlns:r="http://schemas.openxmlformats.org/officeDocument/2006/relationships" xmlns:p="http://schemas.openxmlformats.org/presentationml/2006/main">
+  <p:cSld>
+    <p:spTree>
+      <p:nvGrpSpPr>
+        <p:cNvPr id="1" name=""/>
+        <p:cNvGrpSpPr/>
+        <p:nvPr/>
+      </p:nvGrpSpPr>
+      <p:grpSpPr>
+        <a:xfrm>
+          <a:off x="0" y="0"/>
+          <a:ext cx="0" cy="0"/>
+          <a:chOff x="0" y="0"/>
+          <a:chExt cx="0" cy="0"/>
+        </a:xfrm>
+      </p:grpSpPr>
+      <p:pic>
+        <p:nvPicPr>
+          <p:cNvPr id="4" name="Picture 3" descr="Low Angle View Of Clouds In Sky">
+            <a:extLst>
+              <a:ext uri="{FF2B5EF4-FFF2-40B4-BE49-F238E27FC236}">
+                <a16:creationId xmlns:a16="http://schemas.microsoft.com/office/drawing/2014/main" id="{E7ED5F9D-3339-AA63-22ED-916A19AF911F}"/>
+              </a:ext>
+            </a:extLst>
+          </p:cNvPr>
+          <p:cNvPicPr>
+            <a:picLocks noChangeAspect="1"/>
+          </p:cNvPicPr>
+          <p:nvPr/>
+        </p:nvPicPr>
+        <p:blipFill rotWithShape="1">
+          <a:blip r:embed="rId2"/>
+          <a:srcRect t="5715" b="10016"/>
+          <a:stretch/>
+        </p:blipFill>
+        <p:spPr>
+          <a:xfrm>
+            <a:off x="20" y="10"/>
+            <a:ext cx="12191979" cy="6857990"/>
+          </a:xfrm>
+          <a:prstGeom prst="rect">
+            <a:avLst/>
+          </a:prstGeom>
+        </p:spPr>
+      </p:pic>
+      <p:sp>
+        <p:nvSpPr>
+          <p:cNvPr id="2" name="Title 1">
+            <a:extLst>
+              <a:ext uri="{FF2B5EF4-FFF2-40B4-BE49-F238E27FC236}">
+                <a16:creationId xmlns:a16="http://schemas.microsoft.com/office/drawing/2014/main" id="{4302C8E7-F8B7-6B45-A1C1-F16279356437}"/>
+              </a:ext>
+            </a:extLst>
+          </p:cNvPr>
+          <p:cNvSpPr>
+            <a:spLocks noGrp="1"/>
+          </p:cNvSpPr>
+          <p:nvPr>
+            <p:ph type="ctrTitle"/>
+          </p:nvPr>
+        </p:nvSpPr>
+        <p:spPr>
+          <a:xfrm>
+            <a:off x="1276055" y="2350017"/>
+            <a:ext cx="4775075" cy="1630906"/>
+          </a:xfrm>
+        </p:spPr>
+        <p:txBody>
+          <a:bodyPr>
+            <a:normAutofit/>
+          </a:bodyPr>
+          <a:lstStyle/>
+          <a:p>
+            <a:r>
+              <a:rPr lang="en-US" sz="4400" dirty="0">
+                <a:solidFill>
+                  <a:schemeClr val="tx1"/>
+                </a:solidFill>
+              </a:rPr>
+              <a:t>2014 CCC</a:t>
+            </a:r>
+          </a:p>
+        </p:txBody>
+      </p:sp>
+      <p:sp>
+        <p:nvSpPr>
+          <p:cNvPr id="3" name="Subtitle 2">
+            <a:extLst>
+              <a:ext uri="{FF2B5EF4-FFF2-40B4-BE49-F238E27FC236}">
+                <a16:creationId xmlns:a16="http://schemas.microsoft.com/office/drawing/2014/main" id="{66E30AD5-C679-1848-BC76-52F3945B307B}"/>
+              </a:ext>
+            </a:extLst>
+          </p:cNvPr>
+          <p:cNvSpPr>
+            <a:spLocks noGrp="1"/>
+          </p:cNvSpPr>
+          <p:nvPr>
+            <p:ph type="subTitle" idx="1"/>
+          </p:nvPr>
+        </p:nvSpPr>
+        <p:spPr>
+          <a:xfrm>
+            <a:off x="1276055" y="3990546"/>
+            <a:ext cx="4775075" cy="559656"/>
+          </a:xfrm>
+        </p:spPr>
+        <p:txBody>
+          <a:bodyPr>
+            <a:normAutofit/>
+          </a:bodyPr>
+          <a:lstStyle/>
+          <a:p>
+            <a:endParaRPr lang="en-US">
+              <a:solidFill>
+                <a:schemeClr val="tx1"/>
+              </a:solidFill>
+            </a:endParaRPr>
+          </a:p>
+        </p:txBody>
+      </p:sp>
+    </p:spTree>
+    <p:extLst>
+      <p:ext uri="{BB962C8B-B14F-4D97-AF65-F5344CB8AC3E}">
+        <p14:creationId xmlns:p14="http://schemas.microsoft.com/office/powerpoint/2010/main" val="2320081203"/>
+      </p:ext>
+    </p:extLst>
+  </p:cSld>
+  <p:clrMapOvr>
+    <a:masterClrMapping/>
+  </p:clrMapOvr>
+</p:sld>
+</file>
+
+<file path=ppt/slides/slide25.xml><?xml version="1.0" encoding="utf-8"?>
+<p:sld xmlns:a="http://schemas.openxmlformats.org/drawingml/2006/main" xmlns:r="http://schemas.openxmlformats.org/officeDocument/2006/relationships" xmlns:p="http://schemas.openxmlformats.org/presentationml/2006/main">
+  <p:cSld>
+    <p:spTree>
+      <p:nvGrpSpPr>
+        <p:cNvPr id="1" name=""/>
+        <p:cNvGrpSpPr/>
+        <p:nvPr/>
+      </p:nvGrpSpPr>
+      <p:grpSpPr>
+        <a:xfrm>
+          <a:off x="0" y="0"/>
+          <a:ext cx="0" cy="0"/>
+          <a:chOff x="0" y="0"/>
+          <a:chExt cx="0" cy="0"/>
+        </a:xfrm>
+      </p:grpSpPr>
+      <p:sp>
+        <p:nvSpPr>
+          <p:cNvPr id="2" name="Title 1">
+            <a:extLst>
+              <a:ext uri="{FF2B5EF4-FFF2-40B4-BE49-F238E27FC236}">
+                <a16:creationId xmlns:a16="http://schemas.microsoft.com/office/drawing/2014/main" id="{84E5BAB4-C979-EA4A-BC7B-A2F088C36F87}"/>
+              </a:ext>
+            </a:extLst>
+          </p:cNvPr>
+          <p:cNvSpPr>
+            <a:spLocks noGrp="1"/>
+          </p:cNvSpPr>
+          <p:nvPr>
+            <p:ph type="title"/>
+          </p:nvPr>
+        </p:nvSpPr>
+        <p:spPr/>
+        <p:txBody>
+          <a:bodyPr/>
+          <a:lstStyle/>
+          <a:p>
+            <a:r>
+              <a:rPr lang="en-US" dirty="0"/>
+              <a:t>J5: Assigning Partners</a:t>
+            </a:r>
+          </a:p>
+        </p:txBody>
+      </p:sp>
+      <p:sp>
+        <p:nvSpPr>
+          <p:cNvPr id="3" name="Content Placeholder 2">
+            <a:extLst>
+              <a:ext uri="{FF2B5EF4-FFF2-40B4-BE49-F238E27FC236}">
+                <a16:creationId xmlns:a16="http://schemas.microsoft.com/office/drawing/2014/main" id="{F08BCA97-E90D-D643-8236-5FC24F6C6C3F}"/>
+              </a:ext>
+            </a:extLst>
+          </p:cNvPr>
+          <p:cNvSpPr>
+            <a:spLocks noGrp="1"/>
+          </p:cNvSpPr>
+          <p:nvPr>
+            <p:ph idx="1"/>
+          </p:nvPr>
+        </p:nvSpPr>
+        <p:spPr/>
+        <p:txBody>
+          <a:bodyPr/>
+          <a:lstStyle/>
+          <a:p>
+            <a:r>
+              <a:rPr lang="en-US" dirty="0">
+                <a:hlinkClick r:id="rId2"/>
+              </a:rPr>
+              <a:t>https://dmoj.ca/problem/ccc14s2</a:t>
+            </a:r>
+            <a:endParaRPr lang="en-US" dirty="0"/>
+          </a:p>
+          <a:p>
+            <a:endParaRPr lang="en-US" dirty="0"/>
+          </a:p>
+        </p:txBody>
+      </p:sp>
+    </p:spTree>
+    <p:extLst>
+      <p:ext uri="{BB962C8B-B14F-4D97-AF65-F5344CB8AC3E}">
+        <p14:creationId xmlns:p14="http://schemas.microsoft.com/office/powerpoint/2010/main" val="3906649412"/>
+      </p:ext>
+    </p:extLst>
+  </p:cSld>
+  <p:clrMapOvr>
+    <a:masterClrMapping/>
+  </p:clrMapOvr>
+</p:sld>
+</file>
+
+<file path=ppt/slides/slide26.xml><?xml version="1.0" encoding="utf-8"?>
+<p:sld xmlns:a="http://schemas.openxmlformats.org/drawingml/2006/main" xmlns:r="http://schemas.openxmlformats.org/officeDocument/2006/relationships" xmlns:p="http://schemas.openxmlformats.org/presentationml/2006/main">
+  <p:cSld>
+    <p:spTree>
+      <p:nvGrpSpPr>
+        <p:cNvPr id="1" name=""/>
+        <p:cNvGrpSpPr/>
+        <p:nvPr/>
+      </p:nvGrpSpPr>
+      <p:grpSpPr>
+        <a:xfrm>
+          <a:off x="0" y="0"/>
+          <a:ext cx="0" cy="0"/>
+          <a:chOff x="0" y="0"/>
+          <a:chExt cx="0" cy="0"/>
+        </a:xfrm>
+      </p:grpSpPr>
+      <p:sp>
+        <p:nvSpPr>
+          <p:cNvPr id="2" name="Title 1">
+            <a:extLst>
+              <a:ext uri="{FF2B5EF4-FFF2-40B4-BE49-F238E27FC236}">
+                <a16:creationId xmlns:a16="http://schemas.microsoft.com/office/drawing/2014/main" id="{D519681F-50ED-2240-B180-78362ECB1818}"/>
+              </a:ext>
+            </a:extLst>
+          </p:cNvPr>
+          <p:cNvSpPr>
+            <a:spLocks noGrp="1"/>
+          </p:cNvSpPr>
+          <p:nvPr>
+            <p:ph type="title"/>
+          </p:nvPr>
+        </p:nvSpPr>
+        <p:spPr/>
+        <p:txBody>
+          <a:bodyPr/>
+          <a:lstStyle/>
+          <a:p>
+            <a:endParaRPr lang="en-US"/>
+          </a:p>
+        </p:txBody>
+      </p:sp>
+      <p:pic>
+        <p:nvPicPr>
+          <p:cNvPr id="4" name="Content Placeholder 3">
+            <a:extLst>
+              <a:ext uri="{FF2B5EF4-FFF2-40B4-BE49-F238E27FC236}">
+                <a16:creationId xmlns:a16="http://schemas.microsoft.com/office/drawing/2014/main" id="{4F229628-C150-B744-8E20-252801B67BB0}"/>
+              </a:ext>
+            </a:extLst>
+          </p:cNvPr>
+          <p:cNvPicPr>
+            <a:picLocks noGrp="1" noChangeAspect="1"/>
+          </p:cNvPicPr>
+          <p:nvPr>
+            <p:ph idx="1"/>
+          </p:nvPr>
+        </p:nvPicPr>
+        <p:blipFill>
+          <a:blip r:embed="rId2"/>
+          <a:stretch>
+            <a:fillRect/>
+          </a:stretch>
+        </p:blipFill>
+        <p:spPr>
+          <a:xfrm>
+            <a:off x="1066800" y="1674749"/>
+            <a:ext cx="10058400" cy="3508502"/>
+          </a:xfrm>
+          <a:prstGeom prst="rect">
+            <a:avLst/>
+          </a:prstGeom>
+        </p:spPr>
+      </p:pic>
+    </p:spTree>
+    <p:extLst>
+      <p:ext uri="{BB962C8B-B14F-4D97-AF65-F5344CB8AC3E}">
+        <p14:creationId xmlns:p14="http://schemas.microsoft.com/office/powerpoint/2010/main" val="2154572565"/>
+      </p:ext>
+    </p:extLst>
+  </p:cSld>
+  <p:clrMapOvr>
+    <a:masterClrMapping/>
+  </p:clrMapOvr>
+</p:sld>
+</file>
+
+<file path=ppt/slides/slide27.xml><?xml version="1.0" encoding="utf-8"?>
+<p:sld xmlns:a="http://schemas.openxmlformats.org/drawingml/2006/main" xmlns:r="http://schemas.openxmlformats.org/officeDocument/2006/relationships" xmlns:p="http://schemas.openxmlformats.org/presentationml/2006/main">
+  <p:cSld>
+    <p:spTree>
+      <p:nvGrpSpPr>
+        <p:cNvPr id="1" name=""/>
+        <p:cNvGrpSpPr/>
+        <p:nvPr/>
+      </p:nvGrpSpPr>
+      <p:grpSpPr>
+        <a:xfrm>
+          <a:off x="0" y="0"/>
+          <a:ext cx="0" cy="0"/>
+          <a:chOff x="0" y="0"/>
+          <a:chExt cx="0" cy="0"/>
+        </a:xfrm>
+      </p:grpSpPr>
+      <p:sp>
+        <p:nvSpPr>
+          <p:cNvPr id="2" name="Title 1">
+            <a:extLst>
+              <a:ext uri="{FF2B5EF4-FFF2-40B4-BE49-F238E27FC236}">
+                <a16:creationId xmlns:a16="http://schemas.microsoft.com/office/drawing/2014/main" id="{E459AEF9-B6DC-BF41-98F7-FE065C642FF4}"/>
+              </a:ext>
+            </a:extLst>
+          </p:cNvPr>
+          <p:cNvSpPr>
+            <a:spLocks noGrp="1"/>
+          </p:cNvSpPr>
+          <p:nvPr>
+            <p:ph type="title"/>
+          </p:nvPr>
+        </p:nvSpPr>
+        <p:spPr/>
+        <p:txBody>
+          <a:bodyPr/>
+          <a:lstStyle/>
+          <a:p>
+            <a:endParaRPr lang="en-US"/>
+          </a:p>
+        </p:txBody>
+      </p:sp>
+      <p:pic>
+        <p:nvPicPr>
+          <p:cNvPr id="4" name="Content Placeholder 3">
+            <a:extLst>
+              <a:ext uri="{FF2B5EF4-FFF2-40B4-BE49-F238E27FC236}">
+                <a16:creationId xmlns:a16="http://schemas.microsoft.com/office/drawing/2014/main" id="{84DA68C7-B83C-8B4A-9D74-977B1B0CE893}"/>
+              </a:ext>
+            </a:extLst>
+          </p:cNvPr>
+          <p:cNvPicPr>
+            <a:picLocks noGrp="1" noChangeAspect="1"/>
+          </p:cNvPicPr>
+          <p:nvPr>
+            <p:ph idx="1"/>
+          </p:nvPr>
+        </p:nvPicPr>
+        <p:blipFill>
+          <a:blip r:embed="rId2"/>
+          <a:stretch>
+            <a:fillRect/>
+          </a:stretch>
+        </p:blipFill>
+        <p:spPr>
+          <a:xfrm>
+            <a:off x="1480169" y="903621"/>
+            <a:ext cx="9231661" cy="5050757"/>
+          </a:xfrm>
+          <a:prstGeom prst="rect">
+            <a:avLst/>
+          </a:prstGeom>
+        </p:spPr>
+      </p:pic>
+    </p:spTree>
+    <p:extLst>
+      <p:ext uri="{BB962C8B-B14F-4D97-AF65-F5344CB8AC3E}">
+        <p14:creationId xmlns:p14="http://schemas.microsoft.com/office/powerpoint/2010/main" val="2415212041"/>
+      </p:ext>
+    </p:extLst>
+  </p:cSld>
+  <p:clrMapOvr>
+    <a:masterClrMapping/>
+  </p:clrMapOvr>
+</p:sld>
+</file>
+
+<file path=ppt/slides/slide28.xml><?xml version="1.0" encoding="utf-8"?>
+<p:sld xmlns:a="http://schemas.openxmlformats.org/drawingml/2006/main" xmlns:r="http://schemas.openxmlformats.org/officeDocument/2006/relationships" xmlns:p="http://schemas.openxmlformats.org/presentationml/2006/main">
+  <p:cSld>
+    <p:spTree>
+      <p:nvGrpSpPr>
+        <p:cNvPr id="1" name=""/>
+        <p:cNvGrpSpPr/>
+        <p:nvPr/>
+      </p:nvGrpSpPr>
+      <p:grpSpPr>
+        <a:xfrm>
+          <a:off x="0" y="0"/>
+          <a:ext cx="0" cy="0"/>
+          <a:chOff x="0" y="0"/>
+          <a:chExt cx="0" cy="0"/>
+        </a:xfrm>
+      </p:grpSpPr>
+      <p:pic>
+        <p:nvPicPr>
+          <p:cNvPr id="4" name="Picture 3" descr="Low Angle View Of Clouds In Sky">
+            <a:extLst>
+              <a:ext uri="{FF2B5EF4-FFF2-40B4-BE49-F238E27FC236}">
+                <a16:creationId xmlns:a16="http://schemas.microsoft.com/office/drawing/2014/main" id="{E7ED5F9D-3339-AA63-22ED-916A19AF911F}"/>
+              </a:ext>
+            </a:extLst>
+          </p:cNvPr>
+          <p:cNvPicPr>
+            <a:picLocks noChangeAspect="1"/>
+          </p:cNvPicPr>
+          <p:nvPr/>
+        </p:nvPicPr>
+        <p:blipFill rotWithShape="1">
+          <a:blip r:embed="rId2"/>
+          <a:srcRect t="5715" b="10016"/>
+          <a:stretch/>
+        </p:blipFill>
+        <p:spPr>
+          <a:xfrm>
+            <a:off x="20" y="10"/>
+            <a:ext cx="12191979" cy="6857990"/>
+          </a:xfrm>
+          <a:prstGeom prst="rect">
+            <a:avLst/>
+          </a:prstGeom>
+        </p:spPr>
+      </p:pic>
+      <p:sp>
+        <p:nvSpPr>
+          <p:cNvPr id="2" name="Title 1">
+            <a:extLst>
+              <a:ext uri="{FF2B5EF4-FFF2-40B4-BE49-F238E27FC236}">
+                <a16:creationId xmlns:a16="http://schemas.microsoft.com/office/drawing/2014/main" id="{4302C8E7-F8B7-6B45-A1C1-F16279356437}"/>
+              </a:ext>
+            </a:extLst>
+          </p:cNvPr>
+          <p:cNvSpPr>
+            <a:spLocks noGrp="1"/>
+          </p:cNvSpPr>
+          <p:nvPr>
+            <p:ph type="ctrTitle"/>
+          </p:nvPr>
+        </p:nvSpPr>
+        <p:spPr>
+          <a:xfrm>
+            <a:off x="1276055" y="2350017"/>
+            <a:ext cx="4775075" cy="1630906"/>
+          </a:xfrm>
+        </p:spPr>
+        <p:txBody>
+          <a:bodyPr>
+            <a:normAutofit/>
+          </a:bodyPr>
+          <a:lstStyle/>
+          <a:p>
+            <a:r>
+              <a:rPr lang="en-US" sz="4400" dirty="0">
+                <a:solidFill>
+                  <a:schemeClr val="tx1"/>
+                </a:solidFill>
+              </a:rPr>
+              <a:t>2022 CCC</a:t>
+            </a:r>
+          </a:p>
+        </p:txBody>
+      </p:sp>
+      <p:sp>
+        <p:nvSpPr>
+          <p:cNvPr id="3" name="Subtitle 2">
+            <a:extLst>
+              <a:ext uri="{FF2B5EF4-FFF2-40B4-BE49-F238E27FC236}">
+                <a16:creationId xmlns:a16="http://schemas.microsoft.com/office/drawing/2014/main" id="{66E30AD5-C679-1848-BC76-52F3945B307B}"/>
+              </a:ext>
+            </a:extLst>
+          </p:cNvPr>
+          <p:cNvSpPr>
+            <a:spLocks noGrp="1"/>
+          </p:cNvSpPr>
+          <p:nvPr>
+            <p:ph type="subTitle" idx="1"/>
+          </p:nvPr>
+        </p:nvSpPr>
+        <p:spPr>
+          <a:xfrm>
+            <a:off x="1276055" y="3990546"/>
+            <a:ext cx="4775075" cy="559656"/>
+          </a:xfrm>
+        </p:spPr>
+        <p:txBody>
+          <a:bodyPr>
+            <a:normAutofit/>
+          </a:bodyPr>
+          <a:lstStyle/>
+          <a:p>
+            <a:endParaRPr lang="en-US">
+              <a:solidFill>
+                <a:schemeClr val="tx1"/>
+              </a:solidFill>
+            </a:endParaRPr>
+          </a:p>
+        </p:txBody>
+      </p:sp>
+    </p:spTree>
+    <p:extLst>
+      <p:ext uri="{BB962C8B-B14F-4D97-AF65-F5344CB8AC3E}">
+        <p14:creationId xmlns:p14="http://schemas.microsoft.com/office/powerpoint/2010/main" val="3911406364"/>
+      </p:ext>
+    </p:extLst>
+  </p:cSld>
+  <p:clrMapOvr>
+    <a:masterClrMapping/>
+  </p:clrMapOvr>
+</p:sld>
+</file>
+
+<file path=ppt/slides/slide29.xml><?xml version="1.0" encoding="utf-8"?>
+<p:sld xmlns:a="http://schemas.openxmlformats.org/drawingml/2006/main" xmlns:r="http://schemas.openxmlformats.org/officeDocument/2006/relationships" xmlns:p="http://schemas.openxmlformats.org/presentationml/2006/main">
+  <p:cSld>
+    <p:spTree>
+      <p:nvGrpSpPr>
+        <p:cNvPr id="1" name=""/>
+        <p:cNvGrpSpPr/>
+        <p:nvPr/>
+      </p:nvGrpSpPr>
+      <p:grpSpPr>
+        <a:xfrm>
+          <a:off x="0" y="0"/>
+          <a:ext cx="0" cy="0"/>
+          <a:chOff x="0" y="0"/>
+          <a:chExt cx="0" cy="0"/>
+        </a:xfrm>
+      </p:grpSpPr>
+      <p:sp>
+        <p:nvSpPr>
+          <p:cNvPr id="2" name="Title 1">
+            <a:extLst>
+              <a:ext uri="{FF2B5EF4-FFF2-40B4-BE49-F238E27FC236}">
+                <a16:creationId xmlns:a16="http://schemas.microsoft.com/office/drawing/2014/main" id="{84E5BAB4-C979-EA4A-BC7B-A2F088C36F87}"/>
+              </a:ext>
+            </a:extLst>
+          </p:cNvPr>
+          <p:cNvSpPr>
+            <a:spLocks noGrp="1"/>
+          </p:cNvSpPr>
+          <p:nvPr>
+            <p:ph type="title"/>
+          </p:nvPr>
+        </p:nvSpPr>
+        <p:spPr/>
+        <p:txBody>
+          <a:bodyPr/>
+          <a:lstStyle/>
+          <a:p>
+            <a:r>
+              <a:rPr lang="en-US" dirty="0"/>
+              <a:t>J5: Square Pool</a:t>
+            </a:r>
+          </a:p>
+        </p:txBody>
+      </p:sp>
+      <p:sp>
+        <p:nvSpPr>
+          <p:cNvPr id="3" name="Content Placeholder 2">
+            <a:extLst>
+              <a:ext uri="{FF2B5EF4-FFF2-40B4-BE49-F238E27FC236}">
+                <a16:creationId xmlns:a16="http://schemas.microsoft.com/office/drawing/2014/main" id="{F08BCA97-E90D-D643-8236-5FC24F6C6C3F}"/>
+              </a:ext>
+            </a:extLst>
+          </p:cNvPr>
+          <p:cNvSpPr>
+            <a:spLocks noGrp="1"/>
+          </p:cNvSpPr>
+          <p:nvPr>
+            <p:ph idx="1"/>
+          </p:nvPr>
+        </p:nvSpPr>
+        <p:spPr/>
+        <p:txBody>
+          <a:bodyPr/>
+          <a:lstStyle/>
+          <a:p>
+            <a:r>
+              <a:rPr lang="en-US" dirty="0">
+                <a:hlinkClick r:id="rId2"/>
+              </a:rPr>
+              <a:t>https://dmoj.ca/problem/ccc22j5</a:t>
+            </a:r>
+            <a:endParaRPr lang="en-US" dirty="0"/>
+          </a:p>
+          <a:p>
+            <a:endParaRPr lang="en-US" dirty="0"/>
+          </a:p>
+        </p:txBody>
+      </p:sp>
+    </p:spTree>
+    <p:extLst>
+      <p:ext uri="{BB962C8B-B14F-4D97-AF65-F5344CB8AC3E}">
+        <p14:creationId xmlns:p14="http://schemas.microsoft.com/office/powerpoint/2010/main" val="2255202063"/>
+      </p:ext>
+    </p:extLst>
+  </p:cSld>
+  <p:clrMapOvr>
+    <a:masterClrMapping/>
+  </p:clrMapOvr>
+</p:sld>
+</file>
+
+<file path=ppt/slides/slide3.xml><?xml version="1.0" encoding="utf-8"?>
+<p:sld xmlns:a="http://schemas.openxmlformats.org/drawingml/2006/main" xmlns:r="http://schemas.openxmlformats.org/officeDocument/2006/relationships" xmlns:p="http://schemas.openxmlformats.org/presentationml/2006/main">
+  <p:cSld>
+    <p:spTree>
+      <p:nvGrpSpPr>
+        <p:cNvPr id="1" name=""/>
+        <p:cNvGrpSpPr/>
+        <p:nvPr/>
+      </p:nvGrpSpPr>
+      <p:grpSpPr>
+        <a:xfrm>
+          <a:off x="0" y="0"/>
+          <a:ext cx="0" cy="0"/>
+          <a:chOff x="0" y="0"/>
+          <a:chExt cx="0" cy="0"/>
+        </a:xfrm>
+      </p:grpSpPr>
+      <p:sp>
+        <p:nvSpPr>
+          <p:cNvPr id="2" name="Title 1">
+            <a:extLst>
+              <a:ext uri="{FF2B5EF4-FFF2-40B4-BE49-F238E27FC236}">
+                <a16:creationId xmlns:a16="http://schemas.microsoft.com/office/drawing/2014/main" id="{EFEAF366-97F6-6344-BF6A-B0A785DB4CEC}"/>
+              </a:ext>
+            </a:extLst>
+          </p:cNvPr>
+          <p:cNvSpPr>
+            <a:spLocks noGrp="1"/>
+          </p:cNvSpPr>
+          <p:nvPr>
+            <p:ph type="title"/>
+          </p:nvPr>
+        </p:nvSpPr>
+        <p:spPr/>
+        <p:txBody>
+          <a:bodyPr/>
+          <a:lstStyle/>
+          <a:p>
+            <a:r>
+              <a:rPr lang="en-US" dirty="0"/>
+              <a:t>BFS vs. DFS</a:t>
+            </a:r>
+          </a:p>
+        </p:txBody>
+      </p:sp>
+      <p:sp>
+        <p:nvSpPr>
+          <p:cNvPr id="3" name="Content Placeholder 2">
+            <a:extLst>
+              <a:ext uri="{FF2B5EF4-FFF2-40B4-BE49-F238E27FC236}">
+                <a16:creationId xmlns:a16="http://schemas.microsoft.com/office/drawing/2014/main" id="{900FC508-8760-ED44-BC4E-685243B53058}"/>
+              </a:ext>
+            </a:extLst>
+          </p:cNvPr>
+          <p:cNvSpPr>
+            <a:spLocks noGrp="1"/>
+          </p:cNvSpPr>
+          <p:nvPr>
+            <p:ph idx="1"/>
+          </p:nvPr>
+        </p:nvSpPr>
+        <p:spPr/>
+        <p:txBody>
+          <a:bodyPr/>
+          <a:lstStyle/>
+          <a:p>
+            <a:r>
+              <a:rPr lang="en-US" sz="2400" dirty="0"/>
+              <a:t>Both for graph traversal, going through all nodes in a graph one by one, finishes traversal when all nodes have been visited</a:t>
+            </a:r>
+          </a:p>
+          <a:p>
+            <a:r>
+              <a:rPr lang="en-US" sz="2400" dirty="0"/>
+              <a:t>Graphs are non-sequential data structures, unlike linear data structures such as list, stack, queue, there are different orders for traversal</a:t>
+            </a:r>
+          </a:p>
+          <a:p>
+            <a:r>
+              <a:rPr lang="en-US" sz="2400" dirty="0"/>
+              <a:t>DFS is traversing in depth</a:t>
+            </a:r>
+          </a:p>
+          <a:p>
+            <a:r>
+              <a:rPr lang="en-US" sz="2400" dirty="0"/>
+              <a:t>BFS is traversing by level</a:t>
+            </a:r>
+          </a:p>
+          <a:p>
+            <a:r>
+              <a:rPr lang="en-US" sz="2400" dirty="0"/>
+              <a:t>We can see the order of traversal more clearly with a data structure called Binary Tree</a:t>
+            </a:r>
+          </a:p>
+          <a:p>
+            <a:endParaRPr lang="en-US" dirty="0"/>
+          </a:p>
+        </p:txBody>
+      </p:sp>
+    </p:spTree>
+    <p:extLst>
+      <p:ext uri="{BB962C8B-B14F-4D97-AF65-F5344CB8AC3E}">
+        <p14:creationId xmlns:p14="http://schemas.microsoft.com/office/powerpoint/2010/main" val="3428263608"/>
+      </p:ext>
+    </p:extLst>
+  </p:cSld>
+  <p:clrMapOvr>
+    <a:masterClrMapping/>
+  </p:clrMapOvr>
+</p:sld>
+</file>
+
+<file path=ppt/slides/slide30.xml><?xml version="1.0" encoding="utf-8"?>
+<p:sld xmlns:a="http://schemas.openxmlformats.org/drawingml/2006/main" xmlns:r="http://schemas.openxmlformats.org/officeDocument/2006/relationships" xmlns:p="http://schemas.openxmlformats.org/presentationml/2006/main">
+  <p:cSld>
+    <p:spTree>
+      <p:nvGrpSpPr>
+        <p:cNvPr id="1" name=""/>
+        <p:cNvGrpSpPr/>
+        <p:nvPr/>
+      </p:nvGrpSpPr>
+      <p:grpSpPr>
+        <a:xfrm>
+          <a:off x="0" y="0"/>
+          <a:ext cx="0" cy="0"/>
+          <a:chOff x="0" y="0"/>
+          <a:chExt cx="0" cy="0"/>
+        </a:xfrm>
+      </p:grpSpPr>
+      <p:sp>
+        <p:nvSpPr>
+          <p:cNvPr id="2" name="Title 1">
+            <a:extLst>
+              <a:ext uri="{FF2B5EF4-FFF2-40B4-BE49-F238E27FC236}">
                 <a16:creationId xmlns:a16="http://schemas.microsoft.com/office/drawing/2014/main" id="{BA98997C-C0EF-584E-8675-E1370646B878}"/>
               </a:ext>
             </a:extLst>
@@ -5949,7 +7318,7 @@
 </p:sld>
 </file>
 
-<file path=ppt/slides/slide21.xml><?xml version="1.0" encoding="utf-8"?>
+<file path=ppt/slides/slide31.xml><?xml version="1.0" encoding="utf-8"?>
 <p:sld xmlns:a="http://schemas.openxmlformats.org/drawingml/2006/main" xmlns:r="http://schemas.openxmlformats.org/officeDocument/2006/relationships" xmlns:p="http://schemas.openxmlformats.org/presentationml/2006/main">
   <p:cSld>
     <p:spTree>
@@ -6360,7 +7729,7 @@
 </p:sld>
 </file>
 
-<file path=ppt/slides/slide22.xml><?xml version="1.0" encoding="utf-8"?>
+<file path=ppt/slides/slide32.xml><?xml version="1.0" encoding="utf-8"?>
 <p:sld xmlns:a="http://schemas.openxmlformats.org/drawingml/2006/main" xmlns:r="http://schemas.openxmlformats.org/officeDocument/2006/relationships" xmlns:p="http://schemas.openxmlformats.org/presentationml/2006/main">
   <p:cSld>
     <p:spTree>
@@ -6422,7 +7791,7 @@
 </p:sld>
 </file>
 
-<file path=ppt/slides/slide23.xml><?xml version="1.0" encoding="utf-8"?>
+<file path=ppt/slides/slide33.xml><?xml version="1.0" encoding="utf-8"?>
 <p:sld xmlns:a="http://schemas.openxmlformats.org/drawingml/2006/main" xmlns:r="http://schemas.openxmlformats.org/officeDocument/2006/relationships" xmlns:p="http://schemas.openxmlformats.org/presentationml/2006/main">
   <p:cSld>
     <p:spTree>
@@ -6511,93 +7880,6 @@
     <p:extLst>
       <p:ext uri="{BB962C8B-B14F-4D97-AF65-F5344CB8AC3E}">
         <p14:creationId xmlns:p14="http://schemas.microsoft.com/office/powerpoint/2010/main" val="3053755800"/>
-      </p:ext>
-    </p:extLst>
-  </p:cSld>
-  <p:clrMapOvr>
-    <a:masterClrMapping/>
-  </p:clrMapOvr>
-</p:sld>
-</file>
-
-<file path=ppt/slides/slide3.xml><?xml version="1.0" encoding="utf-8"?>
-<p:sld xmlns:a="http://schemas.openxmlformats.org/drawingml/2006/main" xmlns:r="http://schemas.openxmlformats.org/officeDocument/2006/relationships" xmlns:p="http://schemas.openxmlformats.org/presentationml/2006/main">
-  <p:cSld>
-    <p:spTree>
-      <p:nvGrpSpPr>
-        <p:cNvPr id="1" name=""/>
-        <p:cNvGrpSpPr/>
-        <p:nvPr/>
-      </p:nvGrpSpPr>
-      <p:grpSpPr>
-        <a:xfrm>
-          <a:off x="0" y="0"/>
-          <a:ext cx="0" cy="0"/>
-          <a:chOff x="0" y="0"/>
-          <a:chExt cx="0" cy="0"/>
-        </a:xfrm>
-      </p:grpSpPr>
-      <p:sp>
-        <p:nvSpPr>
-          <p:cNvPr id="2" name="Title 1">
-            <a:extLst>
-              <a:ext uri="{FF2B5EF4-FFF2-40B4-BE49-F238E27FC236}">
-                <a16:creationId xmlns:a16="http://schemas.microsoft.com/office/drawing/2014/main" id="{01278E86-ADD8-F24D-B00E-E1A945C38F73}"/>
-              </a:ext>
-            </a:extLst>
-          </p:cNvPr>
-          <p:cNvSpPr>
-            <a:spLocks noGrp="1"/>
-          </p:cNvSpPr>
-          <p:nvPr>
-            <p:ph type="title"/>
-          </p:nvPr>
-        </p:nvSpPr>
-        <p:spPr/>
-        <p:txBody>
-          <a:bodyPr/>
-          <a:lstStyle/>
-          <a:p>
-            <a:endParaRPr lang="en-US"/>
-          </a:p>
-        </p:txBody>
-      </p:sp>
-      <p:pic>
-        <p:nvPicPr>
-          <p:cNvPr id="4" name="Content Placeholder 3">
-            <a:extLst>
-              <a:ext uri="{FF2B5EF4-FFF2-40B4-BE49-F238E27FC236}">
-                <a16:creationId xmlns:a16="http://schemas.microsoft.com/office/drawing/2014/main" id="{949142DF-9A0C-DD48-A5AA-AC7669FF8705}"/>
-              </a:ext>
-            </a:extLst>
-          </p:cNvPr>
-          <p:cNvPicPr>
-            <a:picLocks noGrp="1" noChangeAspect="1"/>
-          </p:cNvPicPr>
-          <p:nvPr>
-            <p:ph idx="1"/>
-          </p:nvPr>
-        </p:nvPicPr>
-        <p:blipFill>
-          <a:blip r:embed="rId2"/>
-          <a:stretch>
-            <a:fillRect/>
-          </a:stretch>
-        </p:blipFill>
-        <p:spPr>
-          <a:xfrm>
-            <a:off x="2122196" y="2014194"/>
-            <a:ext cx="7947608" cy="3344152"/>
-          </a:xfrm>
-          <a:prstGeom prst="rect">
-            <a:avLst/>
-          </a:prstGeom>
-        </p:spPr>
-      </p:pic>
-    </p:spTree>
-    <p:extLst>
-      <p:ext uri="{BB962C8B-B14F-4D97-AF65-F5344CB8AC3E}">
-        <p14:creationId xmlns:p14="http://schemas.microsoft.com/office/powerpoint/2010/main" val="1052467422"/>
       </p:ext>
     </p:extLst>
   </p:cSld>
@@ -6629,7 +7911,7 @@
           <p:cNvPr id="2" name="Title 1">
             <a:extLst>
               <a:ext uri="{FF2B5EF4-FFF2-40B4-BE49-F238E27FC236}">
-                <a16:creationId xmlns:a16="http://schemas.microsoft.com/office/drawing/2014/main" id="{7F4510DB-73E6-C14F-A0E7-2A866498C99F}"/>
+                <a16:creationId xmlns:a16="http://schemas.microsoft.com/office/drawing/2014/main" id="{7332F628-528A-E04D-B846-1A2DFE48BA75}"/>
               </a:ext>
             </a:extLst>
           </p:cNvPr>
@@ -6645,46 +7927,105 @@
           <a:bodyPr/>
           <a:lstStyle/>
           <a:p>
-            <a:endParaRPr lang="en-US"/>
+            <a:r>
+              <a:rPr lang="en-US" dirty="0"/>
+              <a:t>Binary Tree</a:t>
+            </a:r>
+          </a:p>
+        </p:txBody>
+      </p:sp>
+      <p:sp>
+        <p:nvSpPr>
+          <p:cNvPr id="3" name="Content Placeholder 2">
+            <a:extLst>
+              <a:ext uri="{FF2B5EF4-FFF2-40B4-BE49-F238E27FC236}">
+                <a16:creationId xmlns:a16="http://schemas.microsoft.com/office/drawing/2014/main" id="{AEBCDFF9-1D2A-BD40-80F1-A06683F2C61B}"/>
+              </a:ext>
+            </a:extLst>
+          </p:cNvPr>
+          <p:cNvSpPr>
+            <a:spLocks noGrp="1"/>
+          </p:cNvSpPr>
+          <p:nvPr>
+            <p:ph idx="1"/>
+          </p:nvPr>
+        </p:nvSpPr>
+        <p:spPr>
+          <a:xfrm>
+            <a:off x="1066800" y="2103120"/>
+            <a:ext cx="5490411" cy="3849624"/>
+          </a:xfrm>
+        </p:spPr>
+        <p:txBody>
+          <a:bodyPr>
+            <a:normAutofit/>
+          </a:bodyPr>
+          <a:lstStyle/>
+          <a:p>
+            <a:r>
+              <a:rPr lang="en-US" sz="2400" dirty="0"/>
+              <a:t>A tree (a graph with no cycle) such that each node has a maximum of two children, known as the left child and right child</a:t>
+            </a:r>
+          </a:p>
+          <a:p>
+            <a:r>
+              <a:rPr lang="en-US" sz="2400" dirty="0"/>
+              <a:t>A tree always starts from a root node, root node is not unique</a:t>
+            </a:r>
           </a:p>
         </p:txBody>
       </p:sp>
       <p:pic>
         <p:nvPicPr>
-          <p:cNvPr id="4" name="Content Placeholder 3">
+          <p:cNvPr id="1026" name="Picture 2" descr="Binary tree - Wikipedia">
             <a:extLst>
               <a:ext uri="{FF2B5EF4-FFF2-40B4-BE49-F238E27FC236}">
-                <a16:creationId xmlns:a16="http://schemas.microsoft.com/office/drawing/2014/main" id="{25A8B05F-3A03-7946-91C8-4A711324225E}"/>
+                <a16:creationId xmlns:a16="http://schemas.microsoft.com/office/drawing/2014/main" id="{67B03CE2-4658-424A-8E3F-270AFF8531F0}"/>
               </a:ext>
             </a:extLst>
           </p:cNvPr>
           <p:cNvPicPr>
-            <a:picLocks noGrp="1" noChangeAspect="1"/>
+            <a:picLocks noChangeAspect="1" noChangeArrowheads="1"/>
           </p:cNvPicPr>
-          <p:nvPr>
-            <p:ph idx="1"/>
-          </p:nvPr>
+          <p:nvPr/>
         </p:nvPicPr>
         <p:blipFill>
-          <a:blip r:embed="rId2"/>
+          <a:blip r:embed="rId2">
+            <a:extLst>
+              <a:ext uri="{28A0092B-C50C-407E-A947-70E740481C1C}">
+                <a14:useLocalDpi xmlns:a14="http://schemas.microsoft.com/office/drawing/2010/main" val="0"/>
+              </a:ext>
+            </a:extLst>
+          </a:blip>
+          <a:srcRect/>
           <a:stretch>
             <a:fillRect/>
           </a:stretch>
         </p:blipFill>
-        <p:spPr>
-          <a:xfrm>
-            <a:off x="3812422" y="573293"/>
-            <a:ext cx="4567156" cy="5711413"/>
+        <p:spPr bwMode="auto">
+          <a:xfrm>
+            <a:off x="6915985" y="1110669"/>
+            <a:ext cx="4357604" cy="4636662"/>
           </a:xfrm>
           <a:prstGeom prst="rect">
             <a:avLst/>
           </a:prstGeom>
+          <a:noFill/>
+          <a:extLst>
+            <a:ext uri="{909E8E84-426E-40DD-AFC4-6F175D3DCCD1}">
+              <a14:hiddenFill xmlns:a14="http://schemas.microsoft.com/office/drawing/2010/main">
+                <a:solidFill>
+                  <a:srgbClr val="FFFFFF"/>
+                </a:solidFill>
+              </a14:hiddenFill>
+            </a:ext>
+          </a:extLst>
         </p:spPr>
       </p:pic>
     </p:spTree>
     <p:extLst>
       <p:ext uri="{BB962C8B-B14F-4D97-AF65-F5344CB8AC3E}">
-        <p14:creationId xmlns:p14="http://schemas.microsoft.com/office/powerpoint/2010/main" val="23625043"/>
+        <p14:creationId xmlns:p14="http://schemas.microsoft.com/office/powerpoint/2010/main" val="4243994797"/>
       </p:ext>
     </p:extLst>
   </p:cSld>
@@ -6716,7 +8057,7 @@
           <p:cNvPr id="2" name="Title 1">
             <a:extLst>
               <a:ext uri="{FF2B5EF4-FFF2-40B4-BE49-F238E27FC236}">
-                <a16:creationId xmlns:a16="http://schemas.microsoft.com/office/drawing/2014/main" id="{9D590268-6AB3-894A-BE01-6F8AE590D668}"/>
+                <a16:creationId xmlns:a16="http://schemas.microsoft.com/office/drawing/2014/main" id="{D5639AA3-A724-1943-9D12-0B50442F027C}"/>
               </a:ext>
             </a:extLst>
           </p:cNvPr>
@@ -6732,7 +8073,10 @@
           <a:bodyPr/>
           <a:lstStyle/>
           <a:p>
-            <a:endParaRPr lang="en-US"/>
+            <a:r>
+              <a:rPr lang="en-US" dirty="0"/>
+              <a:t>BFS: level order traversal, using Queue</a:t>
+            </a:r>
           </a:p>
         </p:txBody>
       </p:sp>
@@ -6741,7 +8085,7 @@
           <p:cNvPr id="4" name="Content Placeholder 3">
             <a:extLst>
               <a:ext uri="{FF2B5EF4-FFF2-40B4-BE49-F238E27FC236}">
-                <a16:creationId xmlns:a16="http://schemas.microsoft.com/office/drawing/2014/main" id="{26B07894-0252-8F42-A76B-2602F978C0CF}"/>
+                <a16:creationId xmlns:a16="http://schemas.microsoft.com/office/drawing/2014/main" id="{9B21655C-5F15-1A4E-ADB7-22CE05A28765}"/>
               </a:ext>
             </a:extLst>
           </p:cNvPr>
@@ -6760,8 +8104,38 @@
         </p:blipFill>
         <p:spPr>
           <a:xfrm>
-            <a:off x="3509664" y="987843"/>
-            <a:ext cx="5172672" cy="4882314"/>
+            <a:off x="1066800" y="2014194"/>
+            <a:ext cx="4773529" cy="4163826"/>
+          </a:xfrm>
+          <a:prstGeom prst="rect">
+            <a:avLst/>
+          </a:prstGeom>
+        </p:spPr>
+      </p:pic>
+      <p:pic>
+        <p:nvPicPr>
+          <p:cNvPr id="5" name="Picture 4">
+            <a:extLst>
+              <a:ext uri="{FF2B5EF4-FFF2-40B4-BE49-F238E27FC236}">
+                <a16:creationId xmlns:a16="http://schemas.microsoft.com/office/drawing/2014/main" id="{9443DF9E-08D5-3840-ACE1-8E6A02C0A26B}"/>
+              </a:ext>
+            </a:extLst>
+          </p:cNvPr>
+          <p:cNvPicPr>
+            <a:picLocks noChangeAspect="1"/>
+          </p:cNvPicPr>
+          <p:nvPr/>
+        </p:nvPicPr>
+        <p:blipFill>
+          <a:blip r:embed="rId3"/>
+          <a:stretch>
+            <a:fillRect/>
+          </a:stretch>
+        </p:blipFill>
+        <p:spPr>
+          <a:xfrm>
+            <a:off x="7066881" y="2146657"/>
+            <a:ext cx="3111500" cy="3898900"/>
           </a:xfrm>
           <a:prstGeom prst="rect">
             <a:avLst/>
@@ -6771,7 +8145,7 @@
     </p:spTree>
     <p:extLst>
       <p:ext uri="{BB962C8B-B14F-4D97-AF65-F5344CB8AC3E}">
-        <p14:creationId xmlns:p14="http://schemas.microsoft.com/office/powerpoint/2010/main" val="3054100550"/>
+        <p14:creationId xmlns:p14="http://schemas.microsoft.com/office/powerpoint/2010/main" val="759959668"/>
       </p:ext>
     </p:extLst>
   </p:cSld>
@@ -6803,7 +8177,7 @@
           <p:cNvPr id="2" name="Title 1">
             <a:extLst>
               <a:ext uri="{FF2B5EF4-FFF2-40B4-BE49-F238E27FC236}">
-                <a16:creationId xmlns:a16="http://schemas.microsoft.com/office/drawing/2014/main" id="{C16C7322-5232-BD45-A88B-B773A8867FD6}"/>
+                <a16:creationId xmlns:a16="http://schemas.microsoft.com/office/drawing/2014/main" id="{846C1DB0-042A-AC46-A180-3A2DEA3C6B42}"/>
               </a:ext>
             </a:extLst>
           </p:cNvPr>
@@ -6816,13 +8190,28 @@
         </p:nvSpPr>
         <p:spPr/>
         <p:txBody>
-          <a:bodyPr/>
+          <a:bodyPr>
+            <a:normAutofit fontScale="90000"/>
+          </a:bodyPr>
           <a:lstStyle/>
           <a:p>
             <a:r>
               <a:rPr lang="en-US" dirty="0"/>
-              <a:t>J5: Modern Art</a:t>
-            </a:r>
+              <a:t>DFS traversal: preorder, </a:t>
+            </a:r>
+            <a:r>
+              <a:rPr lang="en-US" dirty="0" err="1"/>
+              <a:t>inorder</a:t>
+            </a:r>
+            <a:r>
+              <a:rPr lang="en-US" dirty="0"/>
+              <a:t>, </a:t>
+            </a:r>
+            <a:r>
+              <a:rPr lang="en-US" dirty="0" err="1"/>
+              <a:t>postorder</a:t>
+            </a:r>
+            <a:endParaRPr lang="en-US" dirty="0"/>
           </a:p>
         </p:txBody>
       </p:sp>
@@ -6831,7 +8220,7 @@
           <p:cNvPr id="3" name="Content Placeholder 2">
             <a:extLst>
               <a:ext uri="{FF2B5EF4-FFF2-40B4-BE49-F238E27FC236}">
-                <a16:creationId xmlns:a16="http://schemas.microsoft.com/office/drawing/2014/main" id="{85907DA3-918A-8641-9924-FA714FE16091}"/>
+                <a16:creationId xmlns:a16="http://schemas.microsoft.com/office/drawing/2014/main" id="{513B8909-07B4-8C47-94B6-8064C69714DF}"/>
               </a:ext>
             </a:extLst>
           </p:cNvPr>
@@ -6842,40 +8231,80 @@
             <p:ph idx="1"/>
           </p:nvPr>
         </p:nvSpPr>
-        <p:spPr/>
+        <p:spPr>
+          <a:xfrm>
+            <a:off x="1066800" y="2103120"/>
+            <a:ext cx="4600074" cy="3849624"/>
+          </a:xfrm>
+        </p:spPr>
         <p:txBody>
           <a:bodyPr/>
           <a:lstStyle/>
           <a:p>
             <a:r>
-              <a:rPr lang="en-US" dirty="0">
-                <a:hlinkClick r:id="rId2"/>
-              </a:rPr>
-              <a:t>https://dmoj.ca/problem/ccc21s2</a:t>
-            </a:r>
+              <a:rPr lang="en-US" sz="2400" dirty="0"/>
+              <a:t>Preorder: visit root, traverse left subtree, traverse right subtree</a:t>
+            </a:r>
+          </a:p>
+          <a:p>
+            <a:r>
+              <a:rPr lang="en-US" sz="2400" dirty="0" err="1"/>
+              <a:t>Inorder</a:t>
+            </a:r>
+            <a:r>
+              <a:rPr lang="en-US" sz="2400" dirty="0"/>
+              <a:t>: traverse left subtree, visit root, traverse right subtree</a:t>
+            </a:r>
+          </a:p>
+          <a:p>
+            <a:r>
+              <a:rPr lang="en-US" sz="2400" dirty="0" err="1"/>
+              <a:t>Postorder</a:t>
+            </a:r>
+            <a:r>
+              <a:rPr lang="en-US" sz="2400" dirty="0"/>
+              <a:t>: traverse left subtree, traverse right subtree, visit root</a:t>
+            </a:r>
+          </a:p>
+          <a:p>
             <a:endParaRPr lang="en-US" dirty="0"/>
           </a:p>
-          <a:p>
-            <a:r>
-              <a:rPr lang="en-US" altLang="zh-CN" dirty="0"/>
-              <a:t>A</a:t>
-            </a:r>
-            <a:r>
-              <a:rPr lang="zh-CN" altLang="en-US" dirty="0"/>
-              <a:t> </a:t>
-            </a:r>
-            <a:r>
-              <a:rPr lang="en-US" altLang="zh-CN" dirty="0"/>
-              <a:t>math problem….</a:t>
-            </a:r>
-            <a:endParaRPr lang="en-US" dirty="0"/>
-          </a:p>
-        </p:txBody>
-      </p:sp>
+        </p:txBody>
+      </p:sp>
+      <p:pic>
+        <p:nvPicPr>
+          <p:cNvPr id="4" name="Picture 3">
+            <a:extLst>
+              <a:ext uri="{FF2B5EF4-FFF2-40B4-BE49-F238E27FC236}">
+                <a16:creationId xmlns:a16="http://schemas.microsoft.com/office/drawing/2014/main" id="{84417041-0F66-2D44-9952-D4B77B1BFDBD}"/>
+              </a:ext>
+            </a:extLst>
+          </p:cNvPr>
+          <p:cNvPicPr>
+            <a:picLocks noChangeAspect="1"/>
+          </p:cNvPicPr>
+          <p:nvPr/>
+        </p:nvPicPr>
+        <p:blipFill>
+          <a:blip r:embed="rId2"/>
+          <a:stretch>
+            <a:fillRect/>
+          </a:stretch>
+        </p:blipFill>
+        <p:spPr>
+          <a:xfrm>
+            <a:off x="6236368" y="1814335"/>
+            <a:ext cx="4700337" cy="4427194"/>
+          </a:xfrm>
+          <a:prstGeom prst="rect">
+            <a:avLst/>
+          </a:prstGeom>
+        </p:spPr>
+      </p:pic>
     </p:spTree>
     <p:extLst>
       <p:ext uri="{BB962C8B-B14F-4D97-AF65-F5344CB8AC3E}">
-        <p14:creationId xmlns:p14="http://schemas.microsoft.com/office/powerpoint/2010/main" val="2614223034"/>
+        <p14:creationId xmlns:p14="http://schemas.microsoft.com/office/powerpoint/2010/main" val="4263440659"/>
       </p:ext>
     </p:extLst>
   </p:cSld>
@@ -6907,7 +8336,7 @@
           <p:cNvPr id="2" name="Title 1">
             <a:extLst>
               <a:ext uri="{FF2B5EF4-FFF2-40B4-BE49-F238E27FC236}">
-                <a16:creationId xmlns:a16="http://schemas.microsoft.com/office/drawing/2014/main" id="{7949281A-3EEA-6E41-8E68-5A9588658A92}"/>
+                <a16:creationId xmlns:a16="http://schemas.microsoft.com/office/drawing/2014/main" id="{2B78AD93-BC46-2D48-87B5-F9697C8FB391}"/>
               </a:ext>
             </a:extLst>
           </p:cNvPr>
@@ -6932,7 +8361,7 @@
           <p:cNvPr id="4" name="Content Placeholder 3">
             <a:extLst>
               <a:ext uri="{FF2B5EF4-FFF2-40B4-BE49-F238E27FC236}">
-                <a16:creationId xmlns:a16="http://schemas.microsoft.com/office/drawing/2014/main" id="{2BFCC24F-502A-3446-8CCF-2FA8CD04809E}"/>
+                <a16:creationId xmlns:a16="http://schemas.microsoft.com/office/drawing/2014/main" id="{BFC21B5E-F569-0646-80CF-7B09898EAEFE}"/>
               </a:ext>
             </a:extLst>
           </p:cNvPr>
@@ -6951,8 +8380,8 @@
         </p:blipFill>
         <p:spPr>
           <a:xfrm>
-            <a:off x="1245394" y="1504156"/>
-            <a:ext cx="9701211" cy="3849687"/>
+            <a:off x="1646020" y="614864"/>
+            <a:ext cx="8298775" cy="5628272"/>
           </a:xfrm>
           <a:prstGeom prst="rect">
             <a:avLst/>
@@ -6962,7 +8391,7 @@
     </p:spTree>
     <p:extLst>
       <p:ext uri="{BB962C8B-B14F-4D97-AF65-F5344CB8AC3E}">
-        <p14:creationId xmlns:p14="http://schemas.microsoft.com/office/powerpoint/2010/main" val="1571910244"/>
+        <p14:creationId xmlns:p14="http://schemas.microsoft.com/office/powerpoint/2010/main" val="3319029933"/>
       </p:ext>
     </p:extLst>
   </p:cSld>
@@ -6994,7 +8423,7 @@
           <p:cNvPr id="2" name="Title 1">
             <a:extLst>
               <a:ext uri="{FF2B5EF4-FFF2-40B4-BE49-F238E27FC236}">
-                <a16:creationId xmlns:a16="http://schemas.microsoft.com/office/drawing/2014/main" id="{8D8C0BFB-A74F-1648-96EB-270BD76E8047}"/>
+                <a16:creationId xmlns:a16="http://schemas.microsoft.com/office/drawing/2014/main" id="{36446DFE-4617-694A-A311-E18F4BDB46DE}"/>
               </a:ext>
             </a:extLst>
           </p:cNvPr>
@@ -7019,7 +8448,7 @@
           <p:cNvPr id="4" name="Content Placeholder 3">
             <a:extLst>
               <a:ext uri="{FF2B5EF4-FFF2-40B4-BE49-F238E27FC236}">
-                <a16:creationId xmlns:a16="http://schemas.microsoft.com/office/drawing/2014/main" id="{2BE672D1-44B9-E949-813F-F963F6622B0E}"/>
+                <a16:creationId xmlns:a16="http://schemas.microsoft.com/office/drawing/2014/main" id="{1E3C0B5C-8DEA-514D-BB4D-E4D8B0C5B9F1}"/>
               </a:ext>
             </a:extLst>
           </p:cNvPr>
@@ -7038,8 +8467,8 @@
         </p:blipFill>
         <p:spPr>
           <a:xfrm>
-            <a:off x="1245801" y="1504156"/>
-            <a:ext cx="9700398" cy="3849687"/>
+            <a:off x="2356034" y="642594"/>
+            <a:ext cx="7479931" cy="5617459"/>
           </a:xfrm>
           <a:prstGeom prst="rect">
             <a:avLst/>
@@ -7049,7 +8478,7 @@
     </p:spTree>
     <p:extLst>
       <p:ext uri="{BB962C8B-B14F-4D97-AF65-F5344CB8AC3E}">
-        <p14:creationId xmlns:p14="http://schemas.microsoft.com/office/powerpoint/2010/main" val="1961534189"/>
+        <p14:creationId xmlns:p14="http://schemas.microsoft.com/office/powerpoint/2010/main" val="2359165760"/>
       </p:ext>
     </p:extLst>
   </p:cSld>
@@ -7076,12 +8505,62 @@
           <a:chExt cx="0" cy="0"/>
         </a:xfrm>
       </p:grpSpPr>
+      <p:sp>
+        <p:nvSpPr>
+          <p:cNvPr id="2" name="Title 1">
+            <a:extLst>
+              <a:ext uri="{FF2B5EF4-FFF2-40B4-BE49-F238E27FC236}">
+                <a16:creationId xmlns:a16="http://schemas.microsoft.com/office/drawing/2014/main" id="{47FDBDAC-2283-174F-9758-48B07166A61D}"/>
+              </a:ext>
+            </a:extLst>
+          </p:cNvPr>
+          <p:cNvSpPr>
+            <a:spLocks noGrp="1"/>
+          </p:cNvSpPr>
+          <p:nvPr>
+            <p:ph type="title"/>
+          </p:nvPr>
+        </p:nvSpPr>
+        <p:spPr/>
+        <p:txBody>
+          <a:bodyPr/>
+          <a:lstStyle/>
+          <a:p>
+            <a:endParaRPr lang="en-US"/>
+          </a:p>
+        </p:txBody>
+      </p:sp>
+      <p:sp>
+        <p:nvSpPr>
+          <p:cNvPr id="3" name="Content Placeholder 2">
+            <a:extLst>
+              <a:ext uri="{FF2B5EF4-FFF2-40B4-BE49-F238E27FC236}">
+                <a16:creationId xmlns:a16="http://schemas.microsoft.com/office/drawing/2014/main" id="{DB36B16B-D704-7B47-AD99-C124FEE1CC57}"/>
+              </a:ext>
+            </a:extLst>
+          </p:cNvPr>
+          <p:cNvSpPr>
+            <a:spLocks noGrp="1"/>
+          </p:cNvSpPr>
+          <p:nvPr>
+            <p:ph idx="1"/>
+          </p:nvPr>
+        </p:nvSpPr>
+        <p:spPr/>
+        <p:txBody>
+          <a:bodyPr/>
+          <a:lstStyle/>
+          <a:p>
+            <a:endParaRPr lang="en-US" dirty="0"/>
+          </a:p>
+        </p:txBody>
+      </p:sp>
       <p:pic>
         <p:nvPicPr>
-          <p:cNvPr id="4" name="Picture 3" descr="Low Angle View Of Clouds In Sky">
+          <p:cNvPr id="4" name="Picture 3">
             <a:extLst>
               <a:ext uri="{FF2B5EF4-FFF2-40B4-BE49-F238E27FC236}">
-                <a16:creationId xmlns:a16="http://schemas.microsoft.com/office/drawing/2014/main" id="{E7ED5F9D-3339-AA63-22ED-916A19AF911F}"/>
+                <a16:creationId xmlns:a16="http://schemas.microsoft.com/office/drawing/2014/main" id="{AEB9C99C-4E03-4C4A-86D4-3737E54EC5F1}"/>
               </a:ext>
             </a:extLst>
           </p:cNvPr>
@@ -7090,100 +8569,26 @@
           </p:cNvPicPr>
           <p:nvPr/>
         </p:nvPicPr>
-        <p:blipFill rotWithShape="1">
+        <p:blipFill>
           <a:blip r:embed="rId2"/>
-          <a:srcRect t="5715" b="10016"/>
-          <a:stretch/>
+          <a:stretch>
+            <a:fillRect/>
+          </a:stretch>
         </p:blipFill>
         <p:spPr>
           <a:xfrm>
-            <a:off x="20" y="10"/>
-            <a:ext cx="12191979" cy="6857990"/>
+            <a:off x="1682569" y="777132"/>
+            <a:ext cx="8049040" cy="5438274"/>
           </a:xfrm>
           <a:prstGeom prst="rect">
             <a:avLst/>
           </a:prstGeom>
         </p:spPr>
       </p:pic>
-      <p:sp>
-        <p:nvSpPr>
-          <p:cNvPr id="2" name="Title 1">
-            <a:extLst>
-              <a:ext uri="{FF2B5EF4-FFF2-40B4-BE49-F238E27FC236}">
-                <a16:creationId xmlns:a16="http://schemas.microsoft.com/office/drawing/2014/main" id="{4302C8E7-F8B7-6B45-A1C1-F16279356437}"/>
-              </a:ext>
-            </a:extLst>
-          </p:cNvPr>
-          <p:cNvSpPr>
-            <a:spLocks noGrp="1"/>
-          </p:cNvSpPr>
-          <p:nvPr>
-            <p:ph type="ctrTitle"/>
-          </p:nvPr>
-        </p:nvSpPr>
-        <p:spPr>
-          <a:xfrm>
-            <a:off x="1276055" y="2350017"/>
-            <a:ext cx="4775075" cy="1630906"/>
-          </a:xfrm>
-        </p:spPr>
-        <p:txBody>
-          <a:bodyPr>
-            <a:normAutofit/>
-          </a:bodyPr>
-          <a:lstStyle/>
-          <a:p>
-            <a:r>
-              <a:rPr lang="en-US" sz="4400" dirty="0">
-                <a:solidFill>
-                  <a:schemeClr val="tx1"/>
-                </a:solidFill>
-              </a:rPr>
-              <a:t>2019 CCC</a:t>
-            </a:r>
-          </a:p>
-        </p:txBody>
-      </p:sp>
-      <p:sp>
-        <p:nvSpPr>
-          <p:cNvPr id="3" name="Subtitle 2">
-            <a:extLst>
-              <a:ext uri="{FF2B5EF4-FFF2-40B4-BE49-F238E27FC236}">
-                <a16:creationId xmlns:a16="http://schemas.microsoft.com/office/drawing/2014/main" id="{66E30AD5-C679-1848-BC76-52F3945B307B}"/>
-              </a:ext>
-            </a:extLst>
-          </p:cNvPr>
-          <p:cNvSpPr>
-            <a:spLocks noGrp="1"/>
-          </p:cNvSpPr>
-          <p:nvPr>
-            <p:ph type="subTitle" idx="1"/>
-          </p:nvPr>
-        </p:nvSpPr>
-        <p:spPr>
-          <a:xfrm>
-            <a:off x="1276055" y="3990546"/>
-            <a:ext cx="4775075" cy="559656"/>
-          </a:xfrm>
-        </p:spPr>
-        <p:txBody>
-          <a:bodyPr>
-            <a:normAutofit/>
-          </a:bodyPr>
-          <a:lstStyle/>
-          <a:p>
-            <a:endParaRPr lang="en-US">
-              <a:solidFill>
-                <a:schemeClr val="tx1"/>
-              </a:solidFill>
-            </a:endParaRPr>
-          </a:p>
-        </p:txBody>
-      </p:sp>
     </p:spTree>
     <p:extLst>
       <p:ext uri="{BB962C8B-B14F-4D97-AF65-F5344CB8AC3E}">
-        <p14:creationId xmlns:p14="http://schemas.microsoft.com/office/powerpoint/2010/main" val="3375769978"/>
+        <p14:creationId xmlns:p14="http://schemas.microsoft.com/office/powerpoint/2010/main" val="2695981790"/>
       </p:ext>
     </p:extLst>
   </p:cSld>
